--- a/docs/Helm.pptx
+++ b/docs/Helm.pptx
@@ -5,25 +5,37 @@
     <p:sldMasterId id="2147483658" r:id="rId4"/>
   </p:sldMasterIdLst>
   <p:notesMasterIdLst>
-    <p:notesMasterId r:id="rId6"/>
+    <p:notesMasterId r:id="rId11"/>
   </p:notesMasterIdLst>
   <p:sldIdLst>
     <p:sldId id="342" r:id="rId5"/>
+    <p:sldId id="343" r:id="rId6"/>
+    <p:sldId id="344" r:id="rId7"/>
+    <p:sldId id="345" r:id="rId8"/>
+    <p:sldId id="346" r:id="rId9"/>
+    <p:sldId id="347" r:id="rId10"/>
   </p:sldIdLst>
   <p:sldSz cx="9144000" cy="5143500" type="screen16x9"/>
   <p:notesSz cx="6858000" cy="9144000"/>
   <p:embeddedFontLst>
     <p:embeddedFont>
       <p:font typeface="Calibri" panose="020F0502020204030204" pitchFamily="34" charset="0"/>
-      <p:regular r:id="rId7"/>
-      <p:bold r:id="rId8"/>
-      <p:italic r:id="rId9"/>
-      <p:boldItalic r:id="rId10"/>
+      <p:regular r:id="rId12"/>
+      <p:bold r:id="rId13"/>
+      <p:italic r:id="rId14"/>
+      <p:boldItalic r:id="rId15"/>
     </p:embeddedFont>
     <p:embeddedFont>
       <p:font typeface="Calibri Light" panose="020F0302020204030204" pitchFamily="34" charset="0"/>
-      <p:regular r:id="rId11"/>
-      <p:italic r:id="rId12"/>
+      <p:regular r:id="rId16"/>
+      <p:italic r:id="rId17"/>
+    </p:embeddedFont>
+    <p:embeddedFont>
+      <p:font typeface="Roboto" panose="02000000000000000000" pitchFamily="2" charset="0"/>
+      <p:regular r:id="rId18"/>
+      <p:bold r:id="rId19"/>
+      <p:italic r:id="rId20"/>
+      <p:boldItalic r:id="rId21"/>
     </p:embeddedFont>
   </p:embeddedFontLst>
   <p:defaultTextStyle>
@@ -4831,10 +4843,1353 @@
           <a:chExt cx="0" cy="0"/>
         </a:xfrm>
       </p:grpSpPr>
+      <p:sp>
+        <p:nvSpPr>
+          <p:cNvPr id="7" name="Seta: para a Direita 6">
+            <a:extLst>
+              <a:ext uri="{FF2B5EF4-FFF2-40B4-BE49-F238E27FC236}">
+                <a16:creationId xmlns:a16="http://schemas.microsoft.com/office/drawing/2014/main" id="{0093A339-215F-4125-AFFA-3CC237D4CD43}"/>
+              </a:ext>
+            </a:extLst>
+          </p:cNvPr>
+          <p:cNvSpPr/>
+          <p:nvPr/>
+        </p:nvSpPr>
+        <p:spPr>
+          <a:xfrm>
+            <a:off x="2781300" y="2421345"/>
+            <a:ext cx="914400" cy="109122"/>
+          </a:xfrm>
+          <a:prstGeom prst="rightArrow">
+            <a:avLst/>
+          </a:prstGeom>
+        </p:spPr>
+        <p:style>
+          <a:lnRef idx="2">
+            <a:schemeClr val="accent1">
+              <a:shade val="50000"/>
+            </a:schemeClr>
+          </a:lnRef>
+          <a:fillRef idx="1">
+            <a:schemeClr val="accent1"/>
+          </a:fillRef>
+          <a:effectRef idx="0">
+            <a:schemeClr val="accent1"/>
+          </a:effectRef>
+          <a:fontRef idx="minor">
+            <a:schemeClr val="lt1"/>
+          </a:fontRef>
+        </p:style>
+        <p:txBody>
+          <a:bodyPr rtlCol="0" anchor="ctr"/>
+          <a:lstStyle/>
+          <a:p>
+            <a:pPr algn="ctr"/>
+            <a:endParaRPr lang="pt-BR"/>
+          </a:p>
+        </p:txBody>
+      </p:sp>
+      <p:grpSp>
+        <p:nvGrpSpPr>
+          <p:cNvPr id="21" name="Agrupar 20">
+            <a:extLst>
+              <a:ext uri="{FF2B5EF4-FFF2-40B4-BE49-F238E27FC236}">
+                <a16:creationId xmlns:a16="http://schemas.microsoft.com/office/drawing/2014/main" id="{63860E71-6045-4844-8DD7-B06C5A519A60}"/>
+              </a:ext>
+            </a:extLst>
+          </p:cNvPr>
+          <p:cNvGrpSpPr/>
+          <p:nvPr/>
+        </p:nvGrpSpPr>
+        <p:grpSpPr>
+          <a:xfrm>
+            <a:off x="3857511" y="2027645"/>
+            <a:ext cx="1632178" cy="1630567"/>
+            <a:chOff x="3857511" y="2027645"/>
+            <a:chExt cx="1632178" cy="1630567"/>
+          </a:xfrm>
+        </p:grpSpPr>
+        <p:sp>
+          <p:nvSpPr>
+            <p:cNvPr id="8" name="CaixaDeTexto 7">
+              <a:extLst>
+                <a:ext uri="{FF2B5EF4-FFF2-40B4-BE49-F238E27FC236}">
+                  <a16:creationId xmlns:a16="http://schemas.microsoft.com/office/drawing/2014/main" id="{0F0F1036-74DF-41AA-A480-107AC2DB23AD}"/>
+                </a:ext>
+              </a:extLst>
+            </p:cNvPr>
+            <p:cNvSpPr txBox="1"/>
+            <p:nvPr/>
+          </p:nvSpPr>
+          <p:spPr>
+            <a:xfrm>
+              <a:off x="3857511" y="3288880"/>
+              <a:ext cx="1632178" cy="369332"/>
+            </a:xfrm>
+            <a:prstGeom prst="rect">
+              <a:avLst/>
+            </a:prstGeom>
+            <a:noFill/>
+          </p:spPr>
+          <p:txBody>
+            <a:bodyPr wrap="none" rtlCol="0">
+              <a:spAutoFit/>
+            </a:bodyPr>
+            <a:lstStyle/>
+            <a:p>
+              <a:r>
+                <a:rPr lang="en-US" dirty="0" err="1">
+                  <a:latin typeface="Roboto" panose="02000000000000000000" pitchFamily="2" charset="0"/>
+                  <a:ea typeface="Roboto" panose="02000000000000000000" pitchFamily="2" charset="0"/>
+                </a:rPr>
+                <a:t>kubectl</a:t>
+              </a:r>
+              <a:r>
+                <a:rPr lang="en-US" dirty="0">
+                  <a:latin typeface="Roboto" panose="02000000000000000000" pitchFamily="2" charset="0"/>
+                  <a:ea typeface="Roboto" panose="02000000000000000000" pitchFamily="2" charset="0"/>
+                </a:rPr>
+                <a:t> create</a:t>
+              </a:r>
+              <a:endParaRPr lang="pt-BR" dirty="0">
+                <a:latin typeface="Roboto" panose="02000000000000000000" pitchFamily="2" charset="0"/>
+                <a:ea typeface="Roboto" panose="02000000000000000000" pitchFamily="2" charset="0"/>
+              </a:endParaRPr>
+            </a:p>
+          </p:txBody>
+        </p:sp>
+        <p:pic>
+          <p:nvPicPr>
+            <p:cNvPr id="10" name="Imagem 9">
+              <a:extLst>
+                <a:ext uri="{FF2B5EF4-FFF2-40B4-BE49-F238E27FC236}">
+                  <a16:creationId xmlns:a16="http://schemas.microsoft.com/office/drawing/2014/main" id="{C827CBDA-3786-49AC-BDE9-5A5F69676F71}"/>
+                </a:ext>
+              </a:extLst>
+            </p:cNvPr>
+            <p:cNvPicPr>
+              <a:picLocks noChangeAspect="1"/>
+            </p:cNvPicPr>
+            <p:nvPr/>
+          </p:nvPicPr>
+          <p:blipFill>
+            <a:blip r:embed="rId2"/>
+            <a:stretch>
+              <a:fillRect/>
+            </a:stretch>
+          </p:blipFill>
+          <p:spPr>
+            <a:xfrm>
+              <a:off x="4081878" y="2027645"/>
+              <a:ext cx="1005643" cy="1005643"/>
+            </a:xfrm>
+            <a:prstGeom prst="rect">
+              <a:avLst/>
+            </a:prstGeom>
+          </p:spPr>
+        </p:pic>
+      </p:grpSp>
+      <p:pic>
+        <p:nvPicPr>
+          <p:cNvPr id="12" name="Imagem 11">
+            <a:extLst>
+              <a:ext uri="{FF2B5EF4-FFF2-40B4-BE49-F238E27FC236}">
+                <a16:creationId xmlns:a16="http://schemas.microsoft.com/office/drawing/2014/main" id="{2CE0883B-20F2-4D90-907E-A0205A912733}"/>
+              </a:ext>
+            </a:extLst>
+          </p:cNvPr>
+          <p:cNvPicPr>
+            <a:picLocks noChangeAspect="1"/>
+          </p:cNvPicPr>
+          <p:nvPr/>
+        </p:nvPicPr>
+        <p:blipFill>
+          <a:blip r:embed="rId3"/>
+          <a:stretch>
+            <a:fillRect/>
+          </a:stretch>
+        </p:blipFill>
+        <p:spPr>
+          <a:xfrm>
+            <a:off x="6764976" y="1865365"/>
+            <a:ext cx="1455213" cy="1412769"/>
+          </a:xfrm>
+          <a:prstGeom prst="rect">
+            <a:avLst/>
+          </a:prstGeom>
+        </p:spPr>
+      </p:pic>
+      <p:sp>
+        <p:nvSpPr>
+          <p:cNvPr id="13" name="Seta: para a Direita 12">
+            <a:extLst>
+              <a:ext uri="{FF2B5EF4-FFF2-40B4-BE49-F238E27FC236}">
+                <a16:creationId xmlns:a16="http://schemas.microsoft.com/office/drawing/2014/main" id="{C9A45FA1-14FA-414F-95E5-C3DC3D632C8C}"/>
+              </a:ext>
+            </a:extLst>
+          </p:cNvPr>
+          <p:cNvSpPr/>
+          <p:nvPr/>
+        </p:nvSpPr>
+        <p:spPr>
+          <a:xfrm>
+            <a:off x="5489689" y="2460227"/>
+            <a:ext cx="914400" cy="109122"/>
+          </a:xfrm>
+          <a:prstGeom prst="rightArrow">
+            <a:avLst/>
+          </a:prstGeom>
+        </p:spPr>
+        <p:style>
+          <a:lnRef idx="2">
+            <a:schemeClr val="accent1">
+              <a:shade val="50000"/>
+            </a:schemeClr>
+          </a:lnRef>
+          <a:fillRef idx="1">
+            <a:schemeClr val="accent1"/>
+          </a:fillRef>
+          <a:effectRef idx="0">
+            <a:schemeClr val="accent1"/>
+          </a:effectRef>
+          <a:fontRef idx="minor">
+            <a:schemeClr val="lt1"/>
+          </a:fontRef>
+        </p:style>
+        <p:txBody>
+          <a:bodyPr rtlCol="0" anchor="ctr"/>
+          <a:lstStyle/>
+          <a:p>
+            <a:pPr algn="ctr"/>
+            <a:endParaRPr lang="pt-BR"/>
+          </a:p>
+        </p:txBody>
+      </p:sp>
+      <p:grpSp>
+        <p:nvGrpSpPr>
+          <p:cNvPr id="20" name="Agrupar 19">
+            <a:extLst>
+              <a:ext uri="{FF2B5EF4-FFF2-40B4-BE49-F238E27FC236}">
+                <a16:creationId xmlns:a16="http://schemas.microsoft.com/office/drawing/2014/main" id="{F21D635D-C29B-4B83-8CBF-45F83ABC67C8}"/>
+              </a:ext>
+            </a:extLst>
+          </p:cNvPr>
+          <p:cNvGrpSpPr/>
+          <p:nvPr/>
+        </p:nvGrpSpPr>
+        <p:grpSpPr>
+          <a:xfrm>
+            <a:off x="1310613" y="1843649"/>
+            <a:ext cx="1165609" cy="2020622"/>
+            <a:chOff x="1310613" y="1843649"/>
+            <a:chExt cx="1165609" cy="2020622"/>
+          </a:xfrm>
+        </p:grpSpPr>
+        <p:grpSp>
+          <p:nvGrpSpPr>
+            <p:cNvPr id="14" name="Agrupar 13">
+              <a:extLst>
+                <a:ext uri="{FF2B5EF4-FFF2-40B4-BE49-F238E27FC236}">
+                  <a16:creationId xmlns:a16="http://schemas.microsoft.com/office/drawing/2014/main" id="{AFD8B121-3145-44E9-ADD6-9B66A3F40841}"/>
+                </a:ext>
+              </a:extLst>
+            </p:cNvPr>
+            <p:cNvGrpSpPr/>
+            <p:nvPr/>
+          </p:nvGrpSpPr>
+          <p:grpSpPr>
+            <a:xfrm>
+              <a:off x="1310613" y="1843649"/>
+              <a:ext cx="1165609" cy="1529024"/>
+              <a:chOff x="1557493" y="1526721"/>
+              <a:chExt cx="1165609" cy="1529024"/>
+            </a:xfrm>
+          </p:grpSpPr>
+          <p:sp>
+            <p:nvSpPr>
+              <p:cNvPr id="15" name="Retângulo: Único Canto Recortado 14">
+                <a:extLst>
+                  <a:ext uri="{FF2B5EF4-FFF2-40B4-BE49-F238E27FC236}">
+                    <a16:creationId xmlns:a16="http://schemas.microsoft.com/office/drawing/2014/main" id="{12FD5F2E-48D7-4FB1-8ED5-85D33D6D0630}"/>
+                  </a:ext>
+                </a:extLst>
+              </p:cNvPr>
+              <p:cNvSpPr/>
+              <p:nvPr/>
+            </p:nvSpPr>
+            <p:spPr>
+              <a:xfrm>
+                <a:off x="1718267" y="1526721"/>
+                <a:ext cx="1004835" cy="1376624"/>
+              </a:xfrm>
+              <a:prstGeom prst="snip1Rect">
+                <a:avLst/>
+              </a:prstGeom>
+            </p:spPr>
+            <p:style>
+              <a:lnRef idx="3">
+                <a:schemeClr val="lt1"/>
+              </a:lnRef>
+              <a:fillRef idx="1">
+                <a:schemeClr val="accent3"/>
+              </a:fillRef>
+              <a:effectRef idx="1">
+                <a:schemeClr val="accent3"/>
+              </a:effectRef>
+              <a:fontRef idx="minor">
+                <a:schemeClr val="lt1"/>
+              </a:fontRef>
+            </p:style>
+            <p:txBody>
+              <a:bodyPr rtlCol="0" anchor="ctr"/>
+              <a:lstStyle/>
+              <a:p>
+                <a:pPr algn="ctr"/>
+                <a:endParaRPr lang="pt-BR"/>
+              </a:p>
+            </p:txBody>
+          </p:sp>
+          <p:sp>
+            <p:nvSpPr>
+              <p:cNvPr id="16" name="Retângulo: Único Canto Recortado 15">
+                <a:extLst>
+                  <a:ext uri="{FF2B5EF4-FFF2-40B4-BE49-F238E27FC236}">
+                    <a16:creationId xmlns:a16="http://schemas.microsoft.com/office/drawing/2014/main" id="{C31A4E5A-AC69-47EB-957B-BB0F9F551145}"/>
+                  </a:ext>
+                </a:extLst>
+              </p:cNvPr>
+              <p:cNvSpPr/>
+              <p:nvPr/>
+            </p:nvSpPr>
+            <p:spPr>
+              <a:xfrm>
+                <a:off x="1637880" y="1602921"/>
+                <a:ext cx="1004835" cy="1376624"/>
+              </a:xfrm>
+              <a:prstGeom prst="snip1Rect">
+                <a:avLst/>
+              </a:prstGeom>
+            </p:spPr>
+            <p:style>
+              <a:lnRef idx="3">
+                <a:schemeClr val="lt1"/>
+              </a:lnRef>
+              <a:fillRef idx="1">
+                <a:schemeClr val="accent3"/>
+              </a:fillRef>
+              <a:effectRef idx="1">
+                <a:schemeClr val="accent3"/>
+              </a:effectRef>
+              <a:fontRef idx="minor">
+                <a:schemeClr val="lt1"/>
+              </a:fontRef>
+            </p:style>
+            <p:txBody>
+              <a:bodyPr rtlCol="0" anchor="ctr"/>
+              <a:lstStyle/>
+              <a:p>
+                <a:pPr algn="ctr"/>
+                <a:endParaRPr lang="pt-BR"/>
+              </a:p>
+            </p:txBody>
+          </p:sp>
+          <p:sp>
+            <p:nvSpPr>
+              <p:cNvPr id="17" name="Retângulo: Único Canto Recortado 16">
+                <a:extLst>
+                  <a:ext uri="{FF2B5EF4-FFF2-40B4-BE49-F238E27FC236}">
+                    <a16:creationId xmlns:a16="http://schemas.microsoft.com/office/drawing/2014/main" id="{8C65C03C-BBB3-42A7-BC26-F78E60F99A30}"/>
+                  </a:ext>
+                </a:extLst>
+              </p:cNvPr>
+              <p:cNvSpPr/>
+              <p:nvPr/>
+            </p:nvSpPr>
+            <p:spPr>
+              <a:xfrm>
+                <a:off x="1557493" y="1679121"/>
+                <a:ext cx="1004835" cy="1376624"/>
+              </a:xfrm>
+              <a:prstGeom prst="snip1Rect">
+                <a:avLst/>
+              </a:prstGeom>
+            </p:spPr>
+            <p:style>
+              <a:lnRef idx="3">
+                <a:schemeClr val="lt1"/>
+              </a:lnRef>
+              <a:fillRef idx="1">
+                <a:schemeClr val="accent3"/>
+              </a:fillRef>
+              <a:effectRef idx="1">
+                <a:schemeClr val="accent3"/>
+              </a:effectRef>
+              <a:fontRef idx="minor">
+                <a:schemeClr val="lt1"/>
+              </a:fontRef>
+            </p:style>
+            <p:txBody>
+              <a:bodyPr rtlCol="0" anchor="ctr"/>
+              <a:lstStyle/>
+              <a:p>
+                <a:pPr algn="ctr"/>
+                <a:endParaRPr lang="pt-BR"/>
+              </a:p>
+            </p:txBody>
+          </p:sp>
+        </p:grpSp>
+        <p:sp>
+          <p:nvSpPr>
+            <p:cNvPr id="18" name="CaixaDeTexto 17">
+              <a:extLst>
+                <a:ext uri="{FF2B5EF4-FFF2-40B4-BE49-F238E27FC236}">
+                  <a16:creationId xmlns:a16="http://schemas.microsoft.com/office/drawing/2014/main" id="{51A011B6-44CD-4152-A184-DCD8D91925E6}"/>
+                </a:ext>
+              </a:extLst>
+            </p:cNvPr>
+            <p:cNvSpPr txBox="1"/>
+            <p:nvPr/>
+          </p:nvSpPr>
+          <p:spPr>
+            <a:xfrm>
+              <a:off x="1471387" y="3494939"/>
+              <a:ext cx="798617" cy="369332"/>
+            </a:xfrm>
+            <a:prstGeom prst="rect">
+              <a:avLst/>
+            </a:prstGeom>
+            <a:noFill/>
+          </p:spPr>
+          <p:txBody>
+            <a:bodyPr wrap="none" rtlCol="0">
+              <a:spAutoFit/>
+            </a:bodyPr>
+            <a:lstStyle/>
+            <a:p>
+              <a:r>
+                <a:rPr lang="pt-BR" dirty="0">
+                  <a:latin typeface="Roboto" panose="02000000000000000000" pitchFamily="2" charset="0"/>
+                  <a:ea typeface="Roboto" panose="02000000000000000000" pitchFamily="2" charset="0"/>
+                </a:rPr>
+                <a:t>YAML</a:t>
+              </a:r>
+            </a:p>
+          </p:txBody>
+        </p:sp>
+      </p:grpSp>
+      <p:sp>
+        <p:nvSpPr>
+          <p:cNvPr id="19" name="CaixaDeTexto 18">
+            <a:extLst>
+              <a:ext uri="{FF2B5EF4-FFF2-40B4-BE49-F238E27FC236}">
+                <a16:creationId xmlns:a16="http://schemas.microsoft.com/office/drawing/2014/main" id="{2E8EAA09-BE5E-4AE2-AA84-9E39946F7D40}"/>
+              </a:ext>
+            </a:extLst>
+          </p:cNvPr>
+          <p:cNvSpPr txBox="1"/>
+          <p:nvPr/>
+        </p:nvSpPr>
+        <p:spPr>
+          <a:xfrm>
+            <a:off x="0" y="105442"/>
+            <a:ext cx="9144000" cy="923330"/>
+          </a:xfrm>
+          <a:prstGeom prst="rect">
+            <a:avLst/>
+          </a:prstGeom>
+          <a:noFill/>
+        </p:spPr>
+        <p:txBody>
+          <a:bodyPr wrap="square" rtlCol="0">
+            <a:spAutoFit/>
+          </a:bodyPr>
+          <a:lstStyle/>
+          <a:p>
+            <a:pPr algn="ctr"/>
+            <a:r>
+              <a:rPr lang="en-US" sz="5400" dirty="0" err="1"/>
+              <a:t>Publicação</a:t>
+            </a:r>
+            <a:r>
+              <a:rPr lang="en-US" sz="5400" dirty="0"/>
+              <a:t> no Kubernetes</a:t>
+            </a:r>
+            <a:endParaRPr lang="pt-BR" sz="5400" dirty="0"/>
+          </a:p>
+        </p:txBody>
+      </p:sp>
     </p:spTree>
     <p:extLst>
       <p:ext uri="{BB962C8B-B14F-4D97-AF65-F5344CB8AC3E}">
         <p14:creationId xmlns:p14="http://schemas.microsoft.com/office/powerpoint/2010/main" val="1608456456"/>
+      </p:ext>
+    </p:extLst>
+  </p:cSld>
+  <p:clrMapOvr>
+    <a:masterClrMapping/>
+  </p:clrMapOvr>
+  <p:timing>
+    <p:tnLst>
+      <p:par>
+        <p:cTn id="1" dur="indefinite" restart="never" nodeType="tmRoot">
+          <p:childTnLst>
+            <p:seq concurrent="1" nextAc="seek">
+              <p:cTn id="2" dur="indefinite" nodeType="mainSeq">
+                <p:childTnLst>
+                  <p:par>
+                    <p:cTn id="3" fill="hold">
+                      <p:stCondLst>
+                        <p:cond delay="indefinite"/>
+                      </p:stCondLst>
+                      <p:childTnLst>
+                        <p:par>
+                          <p:cTn id="4" fill="hold">
+                            <p:stCondLst>
+                              <p:cond delay="0"/>
+                            </p:stCondLst>
+                            <p:childTnLst>
+                              <p:par>
+                                <p:cTn id="5" presetID="1" presetClass="entr" presetSubtype="0" fill="hold" nodeType="clickEffect">
+                                  <p:stCondLst>
+                                    <p:cond delay="0"/>
+                                  </p:stCondLst>
+                                  <p:childTnLst>
+                                    <p:set>
+                                      <p:cBhvr>
+                                        <p:cTn id="6" dur="1" fill="hold">
+                                          <p:stCondLst>
+                                            <p:cond delay="0"/>
+                                          </p:stCondLst>
+                                        </p:cTn>
+                                        <p:tgtEl>
+                                          <p:spTgt spid="20"/>
+                                        </p:tgtEl>
+                                        <p:attrNameLst>
+                                          <p:attrName>style.visibility</p:attrName>
+                                        </p:attrNameLst>
+                                      </p:cBhvr>
+                                      <p:to>
+                                        <p:strVal val="visible"/>
+                                      </p:to>
+                                    </p:set>
+                                  </p:childTnLst>
+                                </p:cTn>
+                              </p:par>
+                            </p:childTnLst>
+                          </p:cTn>
+                        </p:par>
+                      </p:childTnLst>
+                    </p:cTn>
+                  </p:par>
+                  <p:par>
+                    <p:cTn id="7" fill="hold">
+                      <p:stCondLst>
+                        <p:cond delay="indefinite"/>
+                      </p:stCondLst>
+                      <p:childTnLst>
+                        <p:par>
+                          <p:cTn id="8" fill="hold">
+                            <p:stCondLst>
+                              <p:cond delay="0"/>
+                            </p:stCondLst>
+                            <p:childTnLst>
+                              <p:par>
+                                <p:cTn id="9" presetID="1" presetClass="entr" presetSubtype="0" fill="hold" grpId="0" nodeType="clickEffect">
+                                  <p:stCondLst>
+                                    <p:cond delay="0"/>
+                                  </p:stCondLst>
+                                  <p:childTnLst>
+                                    <p:set>
+                                      <p:cBhvr>
+                                        <p:cTn id="10" dur="1" fill="hold">
+                                          <p:stCondLst>
+                                            <p:cond delay="0"/>
+                                          </p:stCondLst>
+                                        </p:cTn>
+                                        <p:tgtEl>
+                                          <p:spTgt spid="7"/>
+                                        </p:tgtEl>
+                                        <p:attrNameLst>
+                                          <p:attrName>style.visibility</p:attrName>
+                                        </p:attrNameLst>
+                                      </p:cBhvr>
+                                      <p:to>
+                                        <p:strVal val="visible"/>
+                                      </p:to>
+                                    </p:set>
+                                  </p:childTnLst>
+                                </p:cTn>
+                              </p:par>
+                            </p:childTnLst>
+                          </p:cTn>
+                        </p:par>
+                      </p:childTnLst>
+                    </p:cTn>
+                  </p:par>
+                  <p:par>
+                    <p:cTn id="11" fill="hold">
+                      <p:stCondLst>
+                        <p:cond delay="indefinite"/>
+                      </p:stCondLst>
+                      <p:childTnLst>
+                        <p:par>
+                          <p:cTn id="12" fill="hold">
+                            <p:stCondLst>
+                              <p:cond delay="0"/>
+                            </p:stCondLst>
+                            <p:childTnLst>
+                              <p:par>
+                                <p:cTn id="13" presetID="1" presetClass="entr" presetSubtype="0" fill="hold" nodeType="clickEffect">
+                                  <p:stCondLst>
+                                    <p:cond delay="0"/>
+                                  </p:stCondLst>
+                                  <p:childTnLst>
+                                    <p:set>
+                                      <p:cBhvr>
+                                        <p:cTn id="14" dur="1" fill="hold">
+                                          <p:stCondLst>
+                                            <p:cond delay="0"/>
+                                          </p:stCondLst>
+                                        </p:cTn>
+                                        <p:tgtEl>
+                                          <p:spTgt spid="21"/>
+                                        </p:tgtEl>
+                                        <p:attrNameLst>
+                                          <p:attrName>style.visibility</p:attrName>
+                                        </p:attrNameLst>
+                                      </p:cBhvr>
+                                      <p:to>
+                                        <p:strVal val="visible"/>
+                                      </p:to>
+                                    </p:set>
+                                  </p:childTnLst>
+                                </p:cTn>
+                              </p:par>
+                            </p:childTnLst>
+                          </p:cTn>
+                        </p:par>
+                      </p:childTnLst>
+                    </p:cTn>
+                  </p:par>
+                  <p:par>
+                    <p:cTn id="15" fill="hold">
+                      <p:stCondLst>
+                        <p:cond delay="indefinite"/>
+                      </p:stCondLst>
+                      <p:childTnLst>
+                        <p:par>
+                          <p:cTn id="16" fill="hold">
+                            <p:stCondLst>
+                              <p:cond delay="0"/>
+                            </p:stCondLst>
+                            <p:childTnLst>
+                              <p:par>
+                                <p:cTn id="17" presetID="1" presetClass="entr" presetSubtype="0" fill="hold" grpId="0" nodeType="clickEffect">
+                                  <p:stCondLst>
+                                    <p:cond delay="0"/>
+                                  </p:stCondLst>
+                                  <p:childTnLst>
+                                    <p:set>
+                                      <p:cBhvr>
+                                        <p:cTn id="18" dur="1" fill="hold">
+                                          <p:stCondLst>
+                                            <p:cond delay="0"/>
+                                          </p:stCondLst>
+                                        </p:cTn>
+                                        <p:tgtEl>
+                                          <p:spTgt spid="13"/>
+                                        </p:tgtEl>
+                                        <p:attrNameLst>
+                                          <p:attrName>style.visibility</p:attrName>
+                                        </p:attrNameLst>
+                                      </p:cBhvr>
+                                      <p:to>
+                                        <p:strVal val="visible"/>
+                                      </p:to>
+                                    </p:set>
+                                  </p:childTnLst>
+                                </p:cTn>
+                              </p:par>
+                            </p:childTnLst>
+                          </p:cTn>
+                        </p:par>
+                      </p:childTnLst>
+                    </p:cTn>
+                  </p:par>
+                  <p:par>
+                    <p:cTn id="19" fill="hold">
+                      <p:stCondLst>
+                        <p:cond delay="indefinite"/>
+                      </p:stCondLst>
+                      <p:childTnLst>
+                        <p:par>
+                          <p:cTn id="20" fill="hold">
+                            <p:stCondLst>
+                              <p:cond delay="0"/>
+                            </p:stCondLst>
+                            <p:childTnLst>
+                              <p:par>
+                                <p:cTn id="21" presetID="1" presetClass="entr" presetSubtype="0" fill="hold" nodeType="clickEffect">
+                                  <p:stCondLst>
+                                    <p:cond delay="0"/>
+                                  </p:stCondLst>
+                                  <p:childTnLst>
+                                    <p:set>
+                                      <p:cBhvr>
+                                        <p:cTn id="22" dur="1" fill="hold">
+                                          <p:stCondLst>
+                                            <p:cond delay="0"/>
+                                          </p:stCondLst>
+                                        </p:cTn>
+                                        <p:tgtEl>
+                                          <p:spTgt spid="12"/>
+                                        </p:tgtEl>
+                                        <p:attrNameLst>
+                                          <p:attrName>style.visibility</p:attrName>
+                                        </p:attrNameLst>
+                                      </p:cBhvr>
+                                      <p:to>
+                                        <p:strVal val="visible"/>
+                                      </p:to>
+                                    </p:set>
+                                  </p:childTnLst>
+                                </p:cTn>
+                              </p:par>
+                            </p:childTnLst>
+                          </p:cTn>
+                        </p:par>
+                      </p:childTnLst>
+                    </p:cTn>
+                  </p:par>
+                </p:childTnLst>
+              </p:cTn>
+              <p:prevCondLst>
+                <p:cond evt="onPrev" delay="0">
+                  <p:tgtEl>
+                    <p:sldTgt/>
+                  </p:tgtEl>
+                </p:cond>
+              </p:prevCondLst>
+              <p:nextCondLst>
+                <p:cond evt="onNext" delay="0">
+                  <p:tgtEl>
+                    <p:sldTgt/>
+                  </p:tgtEl>
+                </p:cond>
+              </p:nextCondLst>
+            </p:seq>
+          </p:childTnLst>
+        </p:cTn>
+      </p:par>
+    </p:tnLst>
+    <p:bldLst>
+      <p:bldP spid="7" grpId="0" animBg="1"/>
+      <p:bldP spid="13" grpId="0" animBg="1"/>
+    </p:bldLst>
+  </p:timing>
+</p:sld>
+</file>
+
+<file path=ppt/slides/slide2.xml><?xml version="1.0" encoding="utf-8"?>
+<p:sld xmlns:a="http://schemas.openxmlformats.org/drawingml/2006/main" xmlns:r="http://schemas.openxmlformats.org/officeDocument/2006/relationships" xmlns:p="http://schemas.openxmlformats.org/presentationml/2006/main">
+  <p:cSld>
+    <p:spTree>
+      <p:nvGrpSpPr>
+        <p:cNvPr id="1" name=""/>
+        <p:cNvGrpSpPr/>
+        <p:nvPr/>
+      </p:nvGrpSpPr>
+      <p:grpSpPr>
+        <a:xfrm>
+          <a:off x="0" y="0"/>
+          <a:ext cx="0" cy="0"/>
+          <a:chOff x="0" y="0"/>
+          <a:chExt cx="0" cy="0"/>
+        </a:xfrm>
+      </p:grpSpPr>
+      <p:sp>
+        <p:nvSpPr>
+          <p:cNvPr id="19" name="CaixaDeTexto 18">
+            <a:extLst>
+              <a:ext uri="{FF2B5EF4-FFF2-40B4-BE49-F238E27FC236}">
+                <a16:creationId xmlns:a16="http://schemas.microsoft.com/office/drawing/2014/main" id="{2E8EAA09-BE5E-4AE2-AA84-9E39946F7D40}"/>
+              </a:ext>
+            </a:extLst>
+          </p:cNvPr>
+          <p:cNvSpPr txBox="1"/>
+          <p:nvPr/>
+        </p:nvSpPr>
+        <p:spPr>
+          <a:xfrm>
+            <a:off x="0" y="105442"/>
+            <a:ext cx="9144000" cy="923330"/>
+          </a:xfrm>
+          <a:prstGeom prst="rect">
+            <a:avLst/>
+          </a:prstGeom>
+          <a:noFill/>
+        </p:spPr>
+        <p:txBody>
+          <a:bodyPr wrap="square" rtlCol="0">
+            <a:spAutoFit/>
+          </a:bodyPr>
+          <a:lstStyle/>
+          <a:p>
+            <a:pPr algn="ctr"/>
+            <a:r>
+              <a:rPr lang="en-US" sz="5400" dirty="0" err="1"/>
+              <a:t>Publicação</a:t>
+            </a:r>
+            <a:r>
+              <a:rPr lang="en-US" sz="5400" dirty="0"/>
+              <a:t> no Kubernetes</a:t>
+            </a:r>
+            <a:endParaRPr lang="pt-BR" sz="5400" dirty="0"/>
+          </a:p>
+        </p:txBody>
+      </p:sp>
+      <p:pic>
+        <p:nvPicPr>
+          <p:cNvPr id="3" name="Imagem 2">
+            <a:extLst>
+              <a:ext uri="{FF2B5EF4-FFF2-40B4-BE49-F238E27FC236}">
+                <a16:creationId xmlns:a16="http://schemas.microsoft.com/office/drawing/2014/main" id="{E7196231-9B97-4AC2-B6B4-3736D3CFB287}"/>
+              </a:ext>
+            </a:extLst>
+          </p:cNvPr>
+          <p:cNvPicPr>
+            <a:picLocks noChangeAspect="1"/>
+          </p:cNvPicPr>
+          <p:nvPr/>
+        </p:nvPicPr>
+        <p:blipFill>
+          <a:blip r:embed="rId2"/>
+          <a:stretch>
+            <a:fillRect/>
+          </a:stretch>
+        </p:blipFill>
+        <p:spPr>
+          <a:xfrm>
+            <a:off x="2380851" y="1938306"/>
+            <a:ext cx="1575199" cy="1260159"/>
+          </a:xfrm>
+          <a:prstGeom prst="rect">
+            <a:avLst/>
+          </a:prstGeom>
+        </p:spPr>
+      </p:pic>
+      <p:sp>
+        <p:nvSpPr>
+          <p:cNvPr id="22" name="Seta: para a Direita 21">
+            <a:extLst>
+              <a:ext uri="{FF2B5EF4-FFF2-40B4-BE49-F238E27FC236}">
+                <a16:creationId xmlns:a16="http://schemas.microsoft.com/office/drawing/2014/main" id="{35A71798-6E70-4EFE-AD70-030B68213CA9}"/>
+              </a:ext>
+            </a:extLst>
+          </p:cNvPr>
+          <p:cNvSpPr/>
+          <p:nvPr/>
+        </p:nvSpPr>
+        <p:spPr>
+          <a:xfrm>
+            <a:off x="4165600" y="2513824"/>
+            <a:ext cx="914400" cy="109122"/>
+          </a:xfrm>
+          <a:prstGeom prst="rightArrow">
+            <a:avLst/>
+          </a:prstGeom>
+        </p:spPr>
+        <p:style>
+          <a:lnRef idx="2">
+            <a:schemeClr val="accent1">
+              <a:shade val="50000"/>
+            </a:schemeClr>
+          </a:lnRef>
+          <a:fillRef idx="1">
+            <a:schemeClr val="accent1"/>
+          </a:fillRef>
+          <a:effectRef idx="0">
+            <a:schemeClr val="accent1"/>
+          </a:effectRef>
+          <a:fontRef idx="minor">
+            <a:schemeClr val="lt1"/>
+          </a:fontRef>
+        </p:style>
+        <p:txBody>
+          <a:bodyPr rtlCol="0" anchor="ctr"/>
+          <a:lstStyle/>
+          <a:p>
+            <a:pPr algn="ctr"/>
+            <a:endParaRPr lang="pt-BR"/>
+          </a:p>
+        </p:txBody>
+      </p:sp>
+      <p:pic>
+        <p:nvPicPr>
+          <p:cNvPr id="9" name="Imagem 8">
+            <a:extLst>
+              <a:ext uri="{FF2B5EF4-FFF2-40B4-BE49-F238E27FC236}">
+                <a16:creationId xmlns:a16="http://schemas.microsoft.com/office/drawing/2014/main" id="{88C5E5C0-D9A6-4DE0-93BD-F7F26B179BF0}"/>
+              </a:ext>
+            </a:extLst>
+          </p:cNvPr>
+          <p:cNvPicPr>
+            <a:picLocks noChangeAspect="1"/>
+          </p:cNvPicPr>
+          <p:nvPr/>
+        </p:nvPicPr>
+        <p:blipFill>
+          <a:blip r:embed="rId3"/>
+          <a:stretch>
+            <a:fillRect/>
+          </a:stretch>
+        </p:blipFill>
+        <p:spPr>
+          <a:xfrm>
+            <a:off x="5181601" y="1984375"/>
+            <a:ext cx="1174750" cy="1174750"/>
+          </a:xfrm>
+          <a:prstGeom prst="rect">
+            <a:avLst/>
+          </a:prstGeom>
+        </p:spPr>
+      </p:pic>
+    </p:spTree>
+    <p:extLst>
+      <p:ext uri="{BB962C8B-B14F-4D97-AF65-F5344CB8AC3E}">
+        <p14:creationId xmlns:p14="http://schemas.microsoft.com/office/powerpoint/2010/main" val="704347152"/>
+      </p:ext>
+    </p:extLst>
+  </p:cSld>
+  <p:clrMapOvr>
+    <a:masterClrMapping/>
+  </p:clrMapOvr>
+  <p:timing>
+    <p:tnLst>
+      <p:par>
+        <p:cTn id="1" dur="indefinite" restart="never" nodeType="tmRoot">
+          <p:childTnLst>
+            <p:seq concurrent="1" nextAc="seek">
+              <p:cTn id="2" dur="indefinite" nodeType="mainSeq">
+                <p:childTnLst>
+                  <p:par>
+                    <p:cTn id="3" fill="hold">
+                      <p:stCondLst>
+                        <p:cond delay="indefinite"/>
+                      </p:stCondLst>
+                      <p:childTnLst>
+                        <p:par>
+                          <p:cTn id="4" fill="hold">
+                            <p:stCondLst>
+                              <p:cond delay="0"/>
+                            </p:stCondLst>
+                            <p:childTnLst>
+                              <p:par>
+                                <p:cTn id="5" presetID="1" presetClass="entr" presetSubtype="0" fill="hold" grpId="0" nodeType="clickEffect">
+                                  <p:stCondLst>
+                                    <p:cond delay="0"/>
+                                  </p:stCondLst>
+                                  <p:childTnLst>
+                                    <p:set>
+                                      <p:cBhvr>
+                                        <p:cTn id="6" dur="1" fill="hold">
+                                          <p:stCondLst>
+                                            <p:cond delay="0"/>
+                                          </p:stCondLst>
+                                        </p:cTn>
+                                        <p:tgtEl>
+                                          <p:spTgt spid="22"/>
+                                        </p:tgtEl>
+                                        <p:attrNameLst>
+                                          <p:attrName>style.visibility</p:attrName>
+                                        </p:attrNameLst>
+                                      </p:cBhvr>
+                                      <p:to>
+                                        <p:strVal val="visible"/>
+                                      </p:to>
+                                    </p:set>
+                                  </p:childTnLst>
+                                </p:cTn>
+                              </p:par>
+                            </p:childTnLst>
+                          </p:cTn>
+                        </p:par>
+                      </p:childTnLst>
+                    </p:cTn>
+                  </p:par>
+                </p:childTnLst>
+              </p:cTn>
+              <p:prevCondLst>
+                <p:cond evt="onPrev" delay="0">
+                  <p:tgtEl>
+                    <p:sldTgt/>
+                  </p:tgtEl>
+                </p:cond>
+              </p:prevCondLst>
+              <p:nextCondLst>
+                <p:cond evt="onNext" delay="0">
+                  <p:tgtEl>
+                    <p:sldTgt/>
+                  </p:tgtEl>
+                </p:cond>
+              </p:nextCondLst>
+            </p:seq>
+          </p:childTnLst>
+        </p:cTn>
+      </p:par>
+    </p:tnLst>
+    <p:bldLst>
+      <p:bldP spid="22" grpId="0" animBg="1"/>
+    </p:bldLst>
+  </p:timing>
+</p:sld>
+</file>
+
+<file path=ppt/slides/slide3.xml><?xml version="1.0" encoding="utf-8"?>
+<p:sld xmlns:a="http://schemas.openxmlformats.org/drawingml/2006/main" xmlns:r="http://schemas.openxmlformats.org/officeDocument/2006/relationships" xmlns:p="http://schemas.openxmlformats.org/presentationml/2006/main">
+  <p:cSld>
+    <p:spTree>
+      <p:nvGrpSpPr>
+        <p:cNvPr id="1" name=""/>
+        <p:cNvGrpSpPr/>
+        <p:nvPr/>
+      </p:nvGrpSpPr>
+      <p:grpSpPr>
+        <a:xfrm>
+          <a:off x="0" y="0"/>
+          <a:ext cx="0" cy="0"/>
+          <a:chOff x="0" y="0"/>
+          <a:chExt cx="0" cy="0"/>
+        </a:xfrm>
+      </p:grpSpPr>
+      <p:pic>
+        <p:nvPicPr>
+          <p:cNvPr id="4" name="Imagem 3">
+            <a:extLst>
+              <a:ext uri="{FF2B5EF4-FFF2-40B4-BE49-F238E27FC236}">
+                <a16:creationId xmlns:a16="http://schemas.microsoft.com/office/drawing/2014/main" id="{F3A7A64C-6073-4E6F-AAE7-32326E360560}"/>
+              </a:ext>
+            </a:extLst>
+          </p:cNvPr>
+          <p:cNvPicPr>
+            <a:picLocks noChangeAspect="1"/>
+          </p:cNvPicPr>
+          <p:nvPr/>
+        </p:nvPicPr>
+        <p:blipFill>
+          <a:blip r:embed="rId2"/>
+          <a:stretch>
+            <a:fillRect/>
+          </a:stretch>
+        </p:blipFill>
+        <p:spPr>
+          <a:xfrm>
+            <a:off x="339725" y="199418"/>
+            <a:ext cx="8359775" cy="4437153"/>
+          </a:xfrm>
+          <a:prstGeom prst="rect">
+            <a:avLst/>
+          </a:prstGeom>
+        </p:spPr>
+      </p:pic>
+    </p:spTree>
+    <p:extLst>
+      <p:ext uri="{BB962C8B-B14F-4D97-AF65-F5344CB8AC3E}">
+        <p14:creationId xmlns:p14="http://schemas.microsoft.com/office/powerpoint/2010/main" val="3256641045"/>
+      </p:ext>
+    </p:extLst>
+  </p:cSld>
+  <p:clrMapOvr>
+    <a:masterClrMapping/>
+  </p:clrMapOvr>
+</p:sld>
+</file>
+
+<file path=ppt/slides/slide4.xml><?xml version="1.0" encoding="utf-8"?>
+<p:sld xmlns:a="http://schemas.openxmlformats.org/drawingml/2006/main" xmlns:r="http://schemas.openxmlformats.org/officeDocument/2006/relationships" xmlns:p="http://schemas.openxmlformats.org/presentationml/2006/main">
+  <p:cSld>
+    <p:spTree>
+      <p:nvGrpSpPr>
+        <p:cNvPr id="1" name=""/>
+        <p:cNvGrpSpPr/>
+        <p:nvPr/>
+      </p:nvGrpSpPr>
+      <p:grpSpPr>
+        <a:xfrm>
+          <a:off x="0" y="0"/>
+          <a:ext cx="0" cy="0"/>
+          <a:chOff x="0" y="0"/>
+          <a:chExt cx="0" cy="0"/>
+        </a:xfrm>
+      </p:grpSpPr>
+      <p:sp>
+        <p:nvSpPr>
+          <p:cNvPr id="2" name="Espaço Reservado para Número de Slide 1">
+            <a:extLst>
+              <a:ext uri="{FF2B5EF4-FFF2-40B4-BE49-F238E27FC236}">
+                <a16:creationId xmlns:a16="http://schemas.microsoft.com/office/drawing/2014/main" id="{3AA6EB0F-AF74-49FE-9AC7-E38C6057613E}"/>
+              </a:ext>
+            </a:extLst>
+          </p:cNvPr>
+          <p:cNvSpPr>
+            <a:spLocks noGrp="1"/>
+          </p:cNvSpPr>
+          <p:nvPr>
+            <p:ph type="sldNum" sz="quarter" idx="12"/>
+          </p:nvPr>
+        </p:nvSpPr>
+        <p:spPr/>
+        <p:txBody>
+          <a:bodyPr/>
+          <a:lstStyle/>
+          <a:p>
+            <a:pPr marL="0" lvl="0" indent="0" algn="l" rtl="0">
+              <a:spcBef>
+                <a:spcPts val="0"/>
+              </a:spcBef>
+              <a:spcAft>
+                <a:spcPts val="0"/>
+              </a:spcAft>
+              <a:buNone/>
+            </a:pPr>
+            <a:fld id="{00000000-1234-1234-1234-123412341234}" type="slidenum">
+              <a:rPr lang="en-US" smtClean="0"/>
+              <a:t>4</a:t>
+            </a:fld>
+            <a:endParaRPr lang="en-US"/>
+          </a:p>
+        </p:txBody>
+      </p:sp>
+      <p:pic>
+        <p:nvPicPr>
+          <p:cNvPr id="6" name="Imagem 5">
+            <a:extLst>
+              <a:ext uri="{FF2B5EF4-FFF2-40B4-BE49-F238E27FC236}">
+                <a16:creationId xmlns:a16="http://schemas.microsoft.com/office/drawing/2014/main" id="{755503DC-EAFB-4DA8-87B8-958E88A67F74}"/>
+              </a:ext>
+            </a:extLst>
+          </p:cNvPr>
+          <p:cNvPicPr>
+            <a:picLocks noChangeAspect="1"/>
+          </p:cNvPicPr>
+          <p:nvPr/>
+        </p:nvPicPr>
+        <p:blipFill>
+          <a:blip r:embed="rId2"/>
+          <a:stretch>
+            <a:fillRect/>
+          </a:stretch>
+        </p:blipFill>
+        <p:spPr>
+          <a:xfrm>
+            <a:off x="0" y="0"/>
+            <a:ext cx="9144000" cy="5143500"/>
+          </a:xfrm>
+          <a:prstGeom prst="rect">
+            <a:avLst/>
+          </a:prstGeom>
+        </p:spPr>
+      </p:pic>
+    </p:spTree>
+    <p:extLst>
+      <p:ext uri="{BB962C8B-B14F-4D97-AF65-F5344CB8AC3E}">
+        <p14:creationId xmlns:p14="http://schemas.microsoft.com/office/powerpoint/2010/main" val="3634088437"/>
+      </p:ext>
+    </p:extLst>
+  </p:cSld>
+  <p:clrMapOvr>
+    <a:masterClrMapping/>
+  </p:clrMapOvr>
+</p:sld>
+</file>
+
+<file path=ppt/slides/slide5.xml><?xml version="1.0" encoding="utf-8"?>
+<p:sld xmlns:a="http://schemas.openxmlformats.org/drawingml/2006/main" xmlns:r="http://schemas.openxmlformats.org/officeDocument/2006/relationships" xmlns:p="http://schemas.openxmlformats.org/presentationml/2006/main">
+  <p:cSld>
+    <p:spTree>
+      <p:nvGrpSpPr>
+        <p:cNvPr id="1" name=""/>
+        <p:cNvGrpSpPr/>
+        <p:nvPr/>
+      </p:nvGrpSpPr>
+      <p:grpSpPr>
+        <a:xfrm>
+          <a:off x="0" y="0"/>
+          <a:ext cx="0" cy="0"/>
+          <a:chOff x="0" y="0"/>
+          <a:chExt cx="0" cy="0"/>
+        </a:xfrm>
+      </p:grpSpPr>
+      <p:sp>
+        <p:nvSpPr>
+          <p:cNvPr id="2" name="Espaço Reservado para Número de Slide 1">
+            <a:extLst>
+              <a:ext uri="{FF2B5EF4-FFF2-40B4-BE49-F238E27FC236}">
+                <a16:creationId xmlns:a16="http://schemas.microsoft.com/office/drawing/2014/main" id="{3AA6EB0F-AF74-49FE-9AC7-E38C6057613E}"/>
+              </a:ext>
+            </a:extLst>
+          </p:cNvPr>
+          <p:cNvSpPr>
+            <a:spLocks noGrp="1"/>
+          </p:cNvSpPr>
+          <p:nvPr>
+            <p:ph type="sldNum" sz="quarter" idx="12"/>
+          </p:nvPr>
+        </p:nvSpPr>
+        <p:spPr/>
+        <p:txBody>
+          <a:bodyPr/>
+          <a:lstStyle/>
+          <a:p>
+            <a:pPr marL="0" lvl="0" indent="0" algn="l" rtl="0">
+              <a:spcBef>
+                <a:spcPts val="0"/>
+              </a:spcBef>
+              <a:spcAft>
+                <a:spcPts val="0"/>
+              </a:spcAft>
+              <a:buNone/>
+            </a:pPr>
+            <a:fld id="{00000000-1234-1234-1234-123412341234}" type="slidenum">
+              <a:rPr lang="en-US" smtClean="0"/>
+              <a:t>5</a:t>
+            </a:fld>
+            <a:endParaRPr lang="en-US"/>
+          </a:p>
+        </p:txBody>
+      </p:sp>
+      <p:pic>
+        <p:nvPicPr>
+          <p:cNvPr id="5" name="Imagem 4">
+            <a:extLst>
+              <a:ext uri="{FF2B5EF4-FFF2-40B4-BE49-F238E27FC236}">
+                <a16:creationId xmlns:a16="http://schemas.microsoft.com/office/drawing/2014/main" id="{F430125D-3978-4F55-9116-D30AAB45A50A}"/>
+              </a:ext>
+            </a:extLst>
+          </p:cNvPr>
+          <p:cNvPicPr>
+            <a:picLocks noChangeAspect="1"/>
+          </p:cNvPicPr>
+          <p:nvPr/>
+        </p:nvPicPr>
+        <p:blipFill>
+          <a:blip r:embed="rId2"/>
+          <a:stretch>
+            <a:fillRect/>
+          </a:stretch>
+        </p:blipFill>
+        <p:spPr>
+          <a:xfrm>
+            <a:off x="2864784" y="560080"/>
+            <a:ext cx="3414432" cy="4023339"/>
+          </a:xfrm>
+          <a:prstGeom prst="rect">
+            <a:avLst/>
+          </a:prstGeom>
+        </p:spPr>
+      </p:pic>
+    </p:spTree>
+    <p:extLst>
+      <p:ext uri="{BB962C8B-B14F-4D97-AF65-F5344CB8AC3E}">
+        <p14:creationId xmlns:p14="http://schemas.microsoft.com/office/powerpoint/2010/main" val="3004335994"/>
+      </p:ext>
+    </p:extLst>
+  </p:cSld>
+  <p:clrMapOvr>
+    <a:masterClrMapping/>
+  </p:clrMapOvr>
+</p:sld>
+</file>
+
+<file path=ppt/slides/slide6.xml><?xml version="1.0" encoding="utf-8"?>
+<p:sld xmlns:a="http://schemas.openxmlformats.org/drawingml/2006/main" xmlns:r="http://schemas.openxmlformats.org/officeDocument/2006/relationships" xmlns:p="http://schemas.openxmlformats.org/presentationml/2006/main">
+  <p:cSld>
+    <p:spTree>
+      <p:nvGrpSpPr>
+        <p:cNvPr id="1" name=""/>
+        <p:cNvGrpSpPr/>
+        <p:nvPr/>
+      </p:nvGrpSpPr>
+      <p:grpSpPr>
+        <a:xfrm>
+          <a:off x="0" y="0"/>
+          <a:ext cx="0" cy="0"/>
+          <a:chOff x="0" y="0"/>
+          <a:chExt cx="0" cy="0"/>
+        </a:xfrm>
+      </p:grpSpPr>
+      <p:sp>
+        <p:nvSpPr>
+          <p:cNvPr id="2" name="Espaço Reservado para Número de Slide 1">
+            <a:extLst>
+              <a:ext uri="{FF2B5EF4-FFF2-40B4-BE49-F238E27FC236}">
+                <a16:creationId xmlns:a16="http://schemas.microsoft.com/office/drawing/2014/main" id="{3AA6EB0F-AF74-49FE-9AC7-E38C6057613E}"/>
+              </a:ext>
+            </a:extLst>
+          </p:cNvPr>
+          <p:cNvSpPr>
+            <a:spLocks noGrp="1"/>
+          </p:cNvSpPr>
+          <p:nvPr>
+            <p:ph type="sldNum" sz="quarter" idx="12"/>
+          </p:nvPr>
+        </p:nvSpPr>
+        <p:spPr/>
+        <p:txBody>
+          <a:bodyPr/>
+          <a:lstStyle/>
+          <a:p>
+            <a:pPr marL="0" lvl="0" indent="0" algn="l" rtl="0">
+              <a:spcBef>
+                <a:spcPts val="0"/>
+              </a:spcBef>
+              <a:spcAft>
+                <a:spcPts val="0"/>
+              </a:spcAft>
+              <a:buNone/>
+            </a:pPr>
+            <a:fld id="{00000000-1234-1234-1234-123412341234}" type="slidenum">
+              <a:rPr lang="en-US" smtClean="0"/>
+              <a:t>6</a:t>
+            </a:fld>
+            <a:endParaRPr lang="en-US"/>
+          </a:p>
+        </p:txBody>
+      </p:sp>
+      <p:pic>
+        <p:nvPicPr>
+          <p:cNvPr id="4" name="Imagem 3">
+            <a:extLst>
+              <a:ext uri="{FF2B5EF4-FFF2-40B4-BE49-F238E27FC236}">
+                <a16:creationId xmlns:a16="http://schemas.microsoft.com/office/drawing/2014/main" id="{7FD5313B-59B7-4CD5-8071-9B5459704BB2}"/>
+              </a:ext>
+            </a:extLst>
+          </p:cNvPr>
+          <p:cNvPicPr>
+            <a:picLocks noChangeAspect="1"/>
+          </p:cNvPicPr>
+          <p:nvPr/>
+        </p:nvPicPr>
+        <p:blipFill>
+          <a:blip r:embed="rId2"/>
+          <a:stretch>
+            <a:fillRect/>
+          </a:stretch>
+        </p:blipFill>
+        <p:spPr>
+          <a:xfrm>
+            <a:off x="3124200" y="900112"/>
+            <a:ext cx="2895600" cy="3343275"/>
+          </a:xfrm>
+          <a:prstGeom prst="rect">
+            <a:avLst/>
+          </a:prstGeom>
+        </p:spPr>
+      </p:pic>
+    </p:spTree>
+    <p:extLst>
+      <p:ext uri="{BB962C8B-B14F-4D97-AF65-F5344CB8AC3E}">
+        <p14:creationId xmlns:p14="http://schemas.microsoft.com/office/powerpoint/2010/main" val="1167059547"/>
       </p:ext>
     </p:extLst>
   </p:cSld>
@@ -5409,21 +6764,6 @@
 </file>
 
 <file path=customXml/item1.xml><?xml version="1.0" encoding="utf-8"?>
-<?mso-contentType ?>
-<FormTemplates xmlns="http://schemas.microsoft.com/sharepoint/v3/contenttype/forms">
-  <Display>DocumentLibraryForm</Display>
-  <Edit>DocumentLibraryForm</Edit>
-  <New>DocumentLibraryForm</New>
-</FormTemplates>
-</file>
-
-<file path=customXml/item2.xml><?xml version="1.0" encoding="utf-8"?>
-<p:properties xmlns:p="http://schemas.microsoft.com/office/2006/metadata/properties" xmlns:xsi="http://www.w3.org/2001/XMLSchema-instance" xmlns:pc="http://schemas.microsoft.com/office/infopath/2007/PartnerControls">
-  <documentManagement/>
-</p:properties>
-</file>
-
-<file path=customXml/item3.xml><?xml version="1.0" encoding="utf-8"?>
 <ct:contentTypeSchema xmlns:ct="http://schemas.microsoft.com/office/2006/metadata/contentType" xmlns:ma="http://schemas.microsoft.com/office/2006/metadata/properties/metaAttributes" ct:_="" ma:_="" ma:contentTypeName="Document" ma:contentTypeID="0x0101005DD0E268B0E6A84AA39A9A0FD83CAAAC" ma:contentTypeVersion="5" ma:contentTypeDescription="Create a new document." ma:contentTypeScope="" ma:versionID="c2fa2cf8d6608c2156ccb93b7a244479">
   <xsd:schema xmlns:xsd="http://www.w3.org/2001/XMLSchema" xmlns:xs="http://www.w3.org/2001/XMLSchema" xmlns:p="http://schemas.microsoft.com/office/2006/metadata/properties" xmlns:ns3="2b7f6d1b-c3ec-4dc9-a441-ff419f9ef8ab" xmlns:ns4="15f24908-3768-4fca-bafb-ff45dc73fa1c" targetNamespace="http://schemas.microsoft.com/office/2006/metadata/properties" ma:root="true" ma:fieldsID="4e09f051e7058ddaec603e11801c5c9a" ns3:_="" ns4:_="">
     <xsd:import namespace="2b7f6d1b-c3ec-4dc9-a441-ff419f9ef8ab"/>
@@ -5594,24 +6934,22 @@
 </ct:contentTypeSchema>
 </file>
 
-<file path=customXml/itemProps1.xml><?xml version="1.0" encoding="utf-8"?>
-<ds:datastoreItem xmlns:ds="http://schemas.openxmlformats.org/officeDocument/2006/customXml" ds:itemID="{E4ABFD8A-7213-4790-A6C2-CA04332DB078}">
-  <ds:schemaRefs>
-    <ds:schemaRef ds:uri="http://schemas.microsoft.com/sharepoint/v3/contenttype/forms"/>
-  </ds:schemaRefs>
-</ds:datastoreItem>
+<file path=customXml/item2.xml><?xml version="1.0" encoding="utf-8"?>
+<p:properties xmlns:p="http://schemas.microsoft.com/office/2006/metadata/properties" xmlns:xsi="http://www.w3.org/2001/XMLSchema-instance" xmlns:pc="http://schemas.microsoft.com/office/infopath/2007/PartnerControls">
+  <documentManagement/>
+</p:properties>
 </file>
 
-<file path=customXml/itemProps2.xml><?xml version="1.0" encoding="utf-8"?>
-<ds:datastoreItem xmlns:ds="http://schemas.openxmlformats.org/officeDocument/2006/customXml" ds:itemID="{0A5AC112-DAFF-4A82-B750-54412BDB9CB4}">
-  <ds:schemaRefs>
-    <ds:schemaRef ds:uri="http://schemas.microsoft.com/office/2006/metadata/properties"/>
-    <ds:schemaRef ds:uri="http://schemas.microsoft.com/office/infopath/2007/PartnerControls"/>
-  </ds:schemaRefs>
-</ds:datastoreItem>
+<file path=customXml/item3.xml><?xml version="1.0" encoding="utf-8"?>
+<?mso-contentType ?>
+<FormTemplates xmlns="http://schemas.microsoft.com/sharepoint/v3/contenttype/forms">
+  <Display>DocumentLibraryForm</Display>
+  <Edit>DocumentLibraryForm</Edit>
+  <New>DocumentLibraryForm</New>
+</FormTemplates>
 </file>
 
-<file path=customXml/itemProps3.xml><?xml version="1.0" encoding="utf-8"?>
+<file path=customXml/itemProps1.xml><?xml version="1.0" encoding="utf-8"?>
 <ds:datastoreItem xmlns:ds="http://schemas.openxmlformats.org/officeDocument/2006/customXml" ds:itemID="{1761EAB6-BD3D-4608-B200-1C5A57736D63}">
   <ds:schemaRefs>
     <ds:schemaRef ds:uri="http://schemas.microsoft.com/office/2006/metadata/contentType"/>
@@ -5628,4 +6966,21 @@
     <ds:schemaRef ds:uri="http://schemas.microsoft.com/internal/obd"/>
   </ds:schemaRefs>
 </ds:datastoreItem>
+</file>
+
+<file path=customXml/itemProps2.xml><?xml version="1.0" encoding="utf-8"?>
+<ds:datastoreItem xmlns:ds="http://schemas.openxmlformats.org/officeDocument/2006/customXml" ds:itemID="{0A5AC112-DAFF-4A82-B750-54412BDB9CB4}">
+  <ds:schemaRefs>
+    <ds:schemaRef ds:uri="http://schemas.microsoft.com/office/2006/metadata/properties"/>
+    <ds:schemaRef ds:uri="http://schemas.microsoft.com/office/infopath/2007/PartnerControls"/>
+  </ds:schemaRefs>
+</ds:datastoreItem>
+</file>
+
+<file path=customXml/itemProps3.xml><?xml version="1.0" encoding="utf-8"?>
+<ds:datastoreItem xmlns:ds="http://schemas.openxmlformats.org/officeDocument/2006/customXml" ds:itemID="{E4ABFD8A-7213-4790-A6C2-CA04332DB078}">
+  <ds:schemaRefs>
+    <ds:schemaRef ds:uri="http://schemas.microsoft.com/sharepoint/v3/contenttype/forms"/>
+  </ds:schemaRefs>
+</ds:datastoreItem>
 </file>
--- a/docs/Helm.pptx
+++ b/docs/Helm.pptx
@@ -5,7 +5,7 @@
     <p:sldMasterId id="2147483658" r:id="rId4"/>
   </p:sldMasterIdLst>
   <p:notesMasterIdLst>
-    <p:notesMasterId r:id="rId11"/>
+    <p:notesMasterId r:id="rId17"/>
   </p:notesMasterIdLst>
   <p:sldIdLst>
     <p:sldId id="342" r:id="rId5"/>
@@ -13,29 +13,35 @@
     <p:sldId id="344" r:id="rId7"/>
     <p:sldId id="345" r:id="rId8"/>
     <p:sldId id="346" r:id="rId9"/>
-    <p:sldId id="347" r:id="rId10"/>
+    <p:sldId id="348" r:id="rId10"/>
+    <p:sldId id="347" r:id="rId11"/>
+    <p:sldId id="349" r:id="rId12"/>
+    <p:sldId id="350" r:id="rId13"/>
+    <p:sldId id="351" r:id="rId14"/>
+    <p:sldId id="352" r:id="rId15"/>
+    <p:sldId id="353" r:id="rId16"/>
   </p:sldIdLst>
   <p:sldSz cx="9144000" cy="5143500" type="screen16x9"/>
   <p:notesSz cx="6858000" cy="9144000"/>
   <p:embeddedFontLst>
     <p:embeddedFont>
       <p:font typeface="Calibri" panose="020F0502020204030204" pitchFamily="34" charset="0"/>
-      <p:regular r:id="rId12"/>
-      <p:bold r:id="rId13"/>
-      <p:italic r:id="rId14"/>
-      <p:boldItalic r:id="rId15"/>
-    </p:embeddedFont>
-    <p:embeddedFont>
-      <p:font typeface="Calibri Light" panose="020F0302020204030204" pitchFamily="34" charset="0"/>
-      <p:regular r:id="rId16"/>
-      <p:italic r:id="rId17"/>
-    </p:embeddedFont>
-    <p:embeddedFont>
-      <p:font typeface="Roboto" panose="02000000000000000000" pitchFamily="2" charset="0"/>
       <p:regular r:id="rId18"/>
       <p:bold r:id="rId19"/>
       <p:italic r:id="rId20"/>
       <p:boldItalic r:id="rId21"/>
+    </p:embeddedFont>
+    <p:embeddedFont>
+      <p:font typeface="Calibri Light" panose="020F0302020204030204" pitchFamily="34" charset="0"/>
+      <p:regular r:id="rId22"/>
+      <p:italic r:id="rId23"/>
+    </p:embeddedFont>
+    <p:embeddedFont>
+      <p:font typeface="Roboto" panose="02000000000000000000" pitchFamily="2" charset="0"/>
+      <p:regular r:id="rId24"/>
+      <p:bold r:id="rId25"/>
+      <p:italic r:id="rId26"/>
+      <p:boldItalic r:id="rId27"/>
     </p:embeddedFont>
   </p:embeddedFontLst>
   <p:defaultTextStyle>
@@ -806,7 +812,7 @@
           <a:p>
             <a:fld id="{4BDF68E2-58F2-4D09-BE8B-E3BD06533059}" type="datetimeFigureOut">
               <a:rPr lang="en-US" dirty="0"/>
-              <a:t>4/5/2020</a:t>
+              <a:t>4/7/2020</a:t>
             </a:fld>
             <a:endParaRPr lang="en-US" dirty="0"/>
           </a:p>
@@ -1024,7 +1030,7 @@
           <a:p>
             <a:fld id="{2E2D6473-DF6D-4702-B328-E0DD40540A4E}" type="datetimeFigureOut">
               <a:rPr lang="en-US" dirty="0"/>
-              <a:t>4/5/2020</a:t>
+              <a:t>4/7/2020</a:t>
             </a:fld>
             <a:endParaRPr lang="en-US" dirty="0"/>
           </a:p>
@@ -1290,7 +1296,7 @@
           <a:p>
             <a:fld id="{E26F7E3A-B166-407D-9866-32884E7D5B37}" type="datetimeFigureOut">
               <a:rPr lang="en-US" dirty="0"/>
-              <a:t>4/5/2020</a:t>
+              <a:t>4/7/2020</a:t>
             </a:fld>
             <a:endParaRPr lang="en-US" dirty="0"/>
           </a:p>
@@ -1915,7 +1921,7 @@
           <a:p>
             <a:fld id="{528FC5F6-F338-4AE4-BB23-26385BCFC423}" type="datetimeFigureOut">
               <a:rPr lang="en-US" dirty="0"/>
-              <a:t>4/5/2020</a:t>
+              <a:t>4/7/2020</a:t>
             </a:fld>
             <a:endParaRPr lang="en-US" dirty="0"/>
           </a:p>
@@ -2268,7 +2274,7 @@
           <a:p>
             <a:fld id="{20EBB0C4-6273-4C6E-B9BD-2EDC30F1CD52}" type="datetimeFigureOut">
               <a:rPr lang="en-US" dirty="0"/>
-              <a:t>4/5/2020</a:t>
+              <a:t>4/7/2020</a:t>
             </a:fld>
             <a:endParaRPr lang="en-US" dirty="0"/>
           </a:p>
@@ -2553,7 +2559,7 @@
           <a:p>
             <a:fld id="{19AB4D41-86C1-4908-B66A-0B50CEB3BF29}" type="datetimeFigureOut">
               <a:rPr lang="en-US" dirty="0"/>
-              <a:t>4/5/2020</a:t>
+              <a:t>4/7/2020</a:t>
             </a:fld>
             <a:endParaRPr lang="en-US" dirty="0"/>
           </a:p>
@@ -2942,7 +2948,7 @@
           <a:p>
             <a:fld id="{E6426E2C-56C1-4E0D-A793-0088A7FDD37E}" type="datetimeFigureOut">
               <a:rPr lang="en-US" dirty="0"/>
-              <a:t>4/5/2020</a:t>
+              <a:t>4/7/2020</a:t>
             </a:fld>
             <a:endParaRPr lang="en-US" dirty="0"/>
           </a:p>
@@ -3070,7 +3076,7 @@
           <a:p>
             <a:fld id="{C8C39B41-D8B5-4052-B551-9B5525EAA8B6}" type="datetimeFigureOut">
               <a:rPr lang="en-US" dirty="0"/>
-              <a:t>4/5/2020</a:t>
+              <a:t>4/7/2020</a:t>
             </a:fld>
             <a:endParaRPr lang="en-US" dirty="0"/>
           </a:p>
@@ -3251,7 +3257,7 @@
           <a:p>
             <a:fld id="{4D94136C-8742-45B2-AF27-D93DF72833A9}" type="datetimeFigureOut">
               <a:rPr lang="en-US" dirty="0"/>
-              <a:t>4/5/2020</a:t>
+              <a:t>4/7/2020</a:t>
             </a:fld>
             <a:endParaRPr lang="en-US" dirty="0"/>
           </a:p>
@@ -3615,7 +3621,7 @@
           <a:p>
             <a:fld id="{32ABBEA6-7C60-4B02-AE87-00D78D8422AF}" type="datetimeFigureOut">
               <a:rPr lang="en-US" dirty="0"/>
-              <a:t>4/5/2020</a:t>
+              <a:t>4/7/2020</a:t>
             </a:fld>
             <a:endParaRPr lang="en-US" dirty="0"/>
           </a:p>
@@ -4007,7 +4013,7 @@
           <a:p>
             <a:fld id="{C9CAD897-D46E-4AD2-BD9B-49DD3E640873}" type="datetimeFigureOut">
               <a:rPr lang="en-US" dirty="0"/>
-              <a:t>4/5/2020</a:t>
+              <a:t>4/7/2020</a:t>
             </a:fld>
             <a:endParaRPr lang="en-US" dirty="0"/>
           </a:p>
@@ -4304,7 +4310,7 @@
           <a:p>
             <a:fld id="{98624D31-43A5-475A-80CF-332C9F6DCF35}" type="datetimeFigureOut">
               <a:rPr lang="en-US" dirty="0"/>
-              <a:t>4/5/2020</a:t>
+              <a:t>4/7/2020</a:t>
             </a:fld>
             <a:endParaRPr lang="en-US" dirty="0"/>
           </a:p>
@@ -5590,6 +5596,615 @@
 </p:sld>
 </file>
 
+<file path=ppt/slides/slide10.xml><?xml version="1.0" encoding="utf-8"?>
+<p:sld xmlns:a="http://schemas.openxmlformats.org/drawingml/2006/main" xmlns:r="http://schemas.openxmlformats.org/officeDocument/2006/relationships" xmlns:p="http://schemas.openxmlformats.org/presentationml/2006/main">
+  <p:cSld>
+    <p:spTree>
+      <p:nvGrpSpPr>
+        <p:cNvPr id="1" name=""/>
+        <p:cNvGrpSpPr/>
+        <p:nvPr/>
+      </p:nvGrpSpPr>
+      <p:grpSpPr>
+        <a:xfrm>
+          <a:off x="0" y="0"/>
+          <a:ext cx="0" cy="0"/>
+          <a:chOff x="0" y="0"/>
+          <a:chExt cx="0" cy="0"/>
+        </a:xfrm>
+      </p:grpSpPr>
+      <p:sp>
+        <p:nvSpPr>
+          <p:cNvPr id="10" name="CaixaDeTexto 9">
+            <a:extLst>
+              <a:ext uri="{FF2B5EF4-FFF2-40B4-BE49-F238E27FC236}">
+                <a16:creationId xmlns:a16="http://schemas.microsoft.com/office/drawing/2014/main" id="{724269E4-30FA-45C4-AE67-8C2C8184E242}"/>
+              </a:ext>
+            </a:extLst>
+          </p:cNvPr>
+          <p:cNvSpPr txBox="1"/>
+          <p:nvPr/>
+        </p:nvSpPr>
+        <p:spPr>
+          <a:xfrm>
+            <a:off x="0" y="105442"/>
+            <a:ext cx="9144000" cy="923330"/>
+          </a:xfrm>
+          <a:prstGeom prst="rect">
+            <a:avLst/>
+          </a:prstGeom>
+          <a:noFill/>
+        </p:spPr>
+        <p:txBody>
+          <a:bodyPr wrap="square" rtlCol="0">
+            <a:spAutoFit/>
+          </a:bodyPr>
+          <a:lstStyle/>
+          <a:p>
+            <a:pPr algn="ctr"/>
+            <a:r>
+              <a:rPr lang="en-US" sz="5400" dirty="0"/>
+              <a:t>Chart</a:t>
+            </a:r>
+            <a:endParaRPr lang="pt-BR" sz="5400" dirty="0"/>
+          </a:p>
+        </p:txBody>
+      </p:sp>
+      <p:pic>
+        <p:nvPicPr>
+          <p:cNvPr id="8" name="Imagem 7">
+            <a:extLst>
+              <a:ext uri="{FF2B5EF4-FFF2-40B4-BE49-F238E27FC236}">
+                <a16:creationId xmlns:a16="http://schemas.microsoft.com/office/drawing/2014/main" id="{78AB8A4A-3E57-4CE5-BBCB-A6253F4FB20A}"/>
+              </a:ext>
+            </a:extLst>
+          </p:cNvPr>
+          <p:cNvPicPr>
+            <a:picLocks noChangeAspect="1"/>
+          </p:cNvPicPr>
+          <p:nvPr/>
+        </p:nvPicPr>
+        <p:blipFill>
+          <a:blip r:embed="rId2"/>
+          <a:stretch>
+            <a:fillRect/>
+          </a:stretch>
+        </p:blipFill>
+        <p:spPr>
+          <a:xfrm>
+            <a:off x="730026" y="1085922"/>
+            <a:ext cx="3200847" cy="3458058"/>
+          </a:xfrm>
+          <a:prstGeom prst="rect">
+            <a:avLst/>
+          </a:prstGeom>
+        </p:spPr>
+      </p:pic>
+      <p:sp>
+        <p:nvSpPr>
+          <p:cNvPr id="9" name="CaixaDeTexto 8">
+            <a:extLst>
+              <a:ext uri="{FF2B5EF4-FFF2-40B4-BE49-F238E27FC236}">
+                <a16:creationId xmlns:a16="http://schemas.microsoft.com/office/drawing/2014/main" id="{08E11AE8-0E82-4805-87F8-E121A771F32C}"/>
+              </a:ext>
+            </a:extLst>
+          </p:cNvPr>
+          <p:cNvSpPr txBox="1"/>
+          <p:nvPr/>
+        </p:nvSpPr>
+        <p:spPr>
+          <a:xfrm>
+            <a:off x="4933950" y="1665754"/>
+            <a:ext cx="2184400" cy="1938992"/>
+          </a:xfrm>
+          <a:prstGeom prst="rect">
+            <a:avLst/>
+          </a:prstGeom>
+          <a:noFill/>
+        </p:spPr>
+        <p:txBody>
+          <a:bodyPr wrap="square" rtlCol="0">
+            <a:spAutoFit/>
+          </a:bodyPr>
+          <a:lstStyle/>
+          <a:p>
+            <a:pPr marL="342900" indent="-342900">
+              <a:buFont typeface="Arial" panose="020B0604020202020204" pitchFamily="34" charset="0"/>
+              <a:buChar char="•"/>
+            </a:pPr>
+            <a:r>
+              <a:rPr lang="en-US" sz="2400" dirty="0" err="1">
+                <a:latin typeface="Roboto" panose="02000000000000000000" pitchFamily="2" charset="0"/>
+                <a:ea typeface="Roboto" panose="02000000000000000000" pitchFamily="2" charset="0"/>
+              </a:rPr>
+              <a:t>Chart.yaml</a:t>
+            </a:r>
+            <a:endParaRPr lang="en-US" sz="2400" dirty="0">
+              <a:latin typeface="Roboto" panose="02000000000000000000" pitchFamily="2" charset="0"/>
+              <a:ea typeface="Roboto" panose="02000000000000000000" pitchFamily="2" charset="0"/>
+            </a:endParaRPr>
+          </a:p>
+          <a:p>
+            <a:pPr marL="342900" indent="-342900">
+              <a:buFont typeface="Arial" panose="020B0604020202020204" pitchFamily="34" charset="0"/>
+              <a:buChar char="•"/>
+            </a:pPr>
+            <a:r>
+              <a:rPr lang="pt-BR" sz="2400" dirty="0" err="1">
+                <a:latin typeface="Roboto" panose="02000000000000000000" pitchFamily="2" charset="0"/>
+                <a:ea typeface="Roboto" panose="02000000000000000000" pitchFamily="2" charset="0"/>
+              </a:rPr>
+              <a:t>Values.yaml</a:t>
+            </a:r>
+            <a:endParaRPr lang="pt-BR" sz="2400" dirty="0">
+              <a:latin typeface="Roboto" panose="02000000000000000000" pitchFamily="2" charset="0"/>
+              <a:ea typeface="Roboto" panose="02000000000000000000" pitchFamily="2" charset="0"/>
+            </a:endParaRPr>
+          </a:p>
+          <a:p>
+            <a:pPr marL="342900" indent="-342900">
+              <a:buFont typeface="Arial" panose="020B0604020202020204" pitchFamily="34" charset="0"/>
+              <a:buChar char="•"/>
+            </a:pPr>
+            <a:r>
+              <a:rPr lang="pt-BR" sz="2400" dirty="0" err="1">
+                <a:latin typeface="Roboto" panose="02000000000000000000" pitchFamily="2" charset="0"/>
+                <a:ea typeface="Roboto" panose="02000000000000000000" pitchFamily="2" charset="0"/>
+              </a:rPr>
+              <a:t>Templates</a:t>
+            </a:r>
+            <a:endParaRPr lang="pt-BR" sz="2400" dirty="0">
+              <a:latin typeface="Roboto" panose="02000000000000000000" pitchFamily="2" charset="0"/>
+              <a:ea typeface="Roboto" panose="02000000000000000000" pitchFamily="2" charset="0"/>
+            </a:endParaRPr>
+          </a:p>
+          <a:p>
+            <a:pPr marL="342900" indent="-342900">
+              <a:buFont typeface="Arial" panose="020B0604020202020204" pitchFamily="34" charset="0"/>
+              <a:buChar char="•"/>
+            </a:pPr>
+            <a:r>
+              <a:rPr lang="pt-BR" sz="2400" dirty="0">
+                <a:latin typeface="Roboto" panose="02000000000000000000" pitchFamily="2" charset="0"/>
+                <a:ea typeface="Roboto" panose="02000000000000000000" pitchFamily="2" charset="0"/>
+              </a:rPr>
+              <a:t>Arquivos </a:t>
+            </a:r>
+            <a:r>
+              <a:rPr lang="pt-BR" sz="2400" dirty="0" err="1">
+                <a:latin typeface="Roboto" panose="02000000000000000000" pitchFamily="2" charset="0"/>
+                <a:ea typeface="Roboto" panose="02000000000000000000" pitchFamily="2" charset="0"/>
+              </a:rPr>
+              <a:t>tpl</a:t>
+            </a:r>
+            <a:endParaRPr lang="pt-BR" sz="2400" dirty="0">
+              <a:latin typeface="Roboto" panose="02000000000000000000" pitchFamily="2" charset="0"/>
+              <a:ea typeface="Roboto" panose="02000000000000000000" pitchFamily="2" charset="0"/>
+            </a:endParaRPr>
+          </a:p>
+          <a:p>
+            <a:pPr marL="342900" indent="-342900">
+              <a:buFont typeface="Arial" panose="020B0604020202020204" pitchFamily="34" charset="0"/>
+              <a:buChar char="•"/>
+            </a:pPr>
+            <a:r>
+              <a:rPr lang="pt-BR" sz="2400" dirty="0">
+                <a:latin typeface="Roboto" panose="02000000000000000000" pitchFamily="2" charset="0"/>
+                <a:ea typeface="Roboto" panose="02000000000000000000" pitchFamily="2" charset="0"/>
+              </a:rPr>
+              <a:t>NOTES.txt</a:t>
+            </a:r>
+          </a:p>
+        </p:txBody>
+      </p:sp>
+    </p:spTree>
+    <p:extLst>
+      <p:ext uri="{BB962C8B-B14F-4D97-AF65-F5344CB8AC3E}">
+        <p14:creationId xmlns:p14="http://schemas.microsoft.com/office/powerpoint/2010/main" val="1166733634"/>
+      </p:ext>
+    </p:extLst>
+  </p:cSld>
+  <p:clrMapOvr>
+    <a:masterClrMapping/>
+  </p:clrMapOvr>
+  <p:timing>
+    <p:tnLst>
+      <p:par>
+        <p:cTn id="1" dur="indefinite" restart="never" nodeType="tmRoot">
+          <p:childTnLst>
+            <p:seq concurrent="1" nextAc="seek">
+              <p:cTn id="2" dur="indefinite" nodeType="mainSeq">
+                <p:childTnLst>
+                  <p:par>
+                    <p:cTn id="3" fill="hold">
+                      <p:stCondLst>
+                        <p:cond delay="indefinite"/>
+                      </p:stCondLst>
+                      <p:childTnLst>
+                        <p:par>
+                          <p:cTn id="4" fill="hold">
+                            <p:stCondLst>
+                              <p:cond delay="0"/>
+                            </p:stCondLst>
+                            <p:childTnLst>
+                              <p:par>
+                                <p:cTn id="5" presetID="1" presetClass="entr" presetSubtype="0" fill="hold" nodeType="clickEffect">
+                                  <p:stCondLst>
+                                    <p:cond delay="0"/>
+                                  </p:stCondLst>
+                                  <p:childTnLst>
+                                    <p:set>
+                                      <p:cBhvr>
+                                        <p:cTn id="6" dur="1" fill="hold">
+                                          <p:stCondLst>
+                                            <p:cond delay="0"/>
+                                          </p:stCondLst>
+                                        </p:cTn>
+                                        <p:tgtEl>
+                                          <p:spTgt spid="9">
+                                            <p:txEl>
+                                              <p:pRg st="0" end="0"/>
+                                            </p:txEl>
+                                          </p:spTgt>
+                                        </p:tgtEl>
+                                        <p:attrNameLst>
+                                          <p:attrName>style.visibility</p:attrName>
+                                        </p:attrNameLst>
+                                      </p:cBhvr>
+                                      <p:to>
+                                        <p:strVal val="visible"/>
+                                      </p:to>
+                                    </p:set>
+                                  </p:childTnLst>
+                                </p:cTn>
+                              </p:par>
+                            </p:childTnLst>
+                          </p:cTn>
+                        </p:par>
+                      </p:childTnLst>
+                    </p:cTn>
+                  </p:par>
+                  <p:par>
+                    <p:cTn id="7" fill="hold">
+                      <p:stCondLst>
+                        <p:cond delay="indefinite"/>
+                      </p:stCondLst>
+                      <p:childTnLst>
+                        <p:par>
+                          <p:cTn id="8" fill="hold">
+                            <p:stCondLst>
+                              <p:cond delay="0"/>
+                            </p:stCondLst>
+                            <p:childTnLst>
+                              <p:par>
+                                <p:cTn id="9" presetID="1" presetClass="entr" presetSubtype="0" fill="hold" nodeType="clickEffect">
+                                  <p:stCondLst>
+                                    <p:cond delay="0"/>
+                                  </p:stCondLst>
+                                  <p:childTnLst>
+                                    <p:set>
+                                      <p:cBhvr>
+                                        <p:cTn id="10" dur="1" fill="hold">
+                                          <p:stCondLst>
+                                            <p:cond delay="0"/>
+                                          </p:stCondLst>
+                                        </p:cTn>
+                                        <p:tgtEl>
+                                          <p:spTgt spid="9">
+                                            <p:txEl>
+                                              <p:pRg st="1" end="1"/>
+                                            </p:txEl>
+                                          </p:spTgt>
+                                        </p:tgtEl>
+                                        <p:attrNameLst>
+                                          <p:attrName>style.visibility</p:attrName>
+                                        </p:attrNameLst>
+                                      </p:cBhvr>
+                                      <p:to>
+                                        <p:strVal val="visible"/>
+                                      </p:to>
+                                    </p:set>
+                                  </p:childTnLst>
+                                </p:cTn>
+                              </p:par>
+                            </p:childTnLst>
+                          </p:cTn>
+                        </p:par>
+                      </p:childTnLst>
+                    </p:cTn>
+                  </p:par>
+                  <p:par>
+                    <p:cTn id="11" fill="hold">
+                      <p:stCondLst>
+                        <p:cond delay="indefinite"/>
+                      </p:stCondLst>
+                      <p:childTnLst>
+                        <p:par>
+                          <p:cTn id="12" fill="hold">
+                            <p:stCondLst>
+                              <p:cond delay="0"/>
+                            </p:stCondLst>
+                            <p:childTnLst>
+                              <p:par>
+                                <p:cTn id="13" presetID="1" presetClass="entr" presetSubtype="0" fill="hold" nodeType="clickEffect">
+                                  <p:stCondLst>
+                                    <p:cond delay="0"/>
+                                  </p:stCondLst>
+                                  <p:childTnLst>
+                                    <p:set>
+                                      <p:cBhvr>
+                                        <p:cTn id="14" dur="1" fill="hold">
+                                          <p:stCondLst>
+                                            <p:cond delay="0"/>
+                                          </p:stCondLst>
+                                        </p:cTn>
+                                        <p:tgtEl>
+                                          <p:spTgt spid="9">
+                                            <p:txEl>
+                                              <p:pRg st="2" end="2"/>
+                                            </p:txEl>
+                                          </p:spTgt>
+                                        </p:tgtEl>
+                                        <p:attrNameLst>
+                                          <p:attrName>style.visibility</p:attrName>
+                                        </p:attrNameLst>
+                                      </p:cBhvr>
+                                      <p:to>
+                                        <p:strVal val="visible"/>
+                                      </p:to>
+                                    </p:set>
+                                  </p:childTnLst>
+                                </p:cTn>
+                              </p:par>
+                            </p:childTnLst>
+                          </p:cTn>
+                        </p:par>
+                      </p:childTnLst>
+                    </p:cTn>
+                  </p:par>
+                  <p:par>
+                    <p:cTn id="15" fill="hold">
+                      <p:stCondLst>
+                        <p:cond delay="indefinite"/>
+                      </p:stCondLst>
+                      <p:childTnLst>
+                        <p:par>
+                          <p:cTn id="16" fill="hold">
+                            <p:stCondLst>
+                              <p:cond delay="0"/>
+                            </p:stCondLst>
+                            <p:childTnLst>
+                              <p:par>
+                                <p:cTn id="17" presetID="1" presetClass="entr" presetSubtype="0" fill="hold" nodeType="clickEffect">
+                                  <p:stCondLst>
+                                    <p:cond delay="0"/>
+                                  </p:stCondLst>
+                                  <p:childTnLst>
+                                    <p:set>
+                                      <p:cBhvr>
+                                        <p:cTn id="18" dur="1" fill="hold">
+                                          <p:stCondLst>
+                                            <p:cond delay="0"/>
+                                          </p:stCondLst>
+                                        </p:cTn>
+                                        <p:tgtEl>
+                                          <p:spTgt spid="9">
+                                            <p:txEl>
+                                              <p:pRg st="3" end="3"/>
+                                            </p:txEl>
+                                          </p:spTgt>
+                                        </p:tgtEl>
+                                        <p:attrNameLst>
+                                          <p:attrName>style.visibility</p:attrName>
+                                        </p:attrNameLst>
+                                      </p:cBhvr>
+                                      <p:to>
+                                        <p:strVal val="visible"/>
+                                      </p:to>
+                                    </p:set>
+                                  </p:childTnLst>
+                                </p:cTn>
+                              </p:par>
+                            </p:childTnLst>
+                          </p:cTn>
+                        </p:par>
+                      </p:childTnLst>
+                    </p:cTn>
+                  </p:par>
+                  <p:par>
+                    <p:cTn id="19" fill="hold">
+                      <p:stCondLst>
+                        <p:cond delay="indefinite"/>
+                      </p:stCondLst>
+                      <p:childTnLst>
+                        <p:par>
+                          <p:cTn id="20" fill="hold">
+                            <p:stCondLst>
+                              <p:cond delay="0"/>
+                            </p:stCondLst>
+                            <p:childTnLst>
+                              <p:par>
+                                <p:cTn id="21" presetID="1" presetClass="entr" presetSubtype="0" fill="hold" nodeType="clickEffect">
+                                  <p:stCondLst>
+                                    <p:cond delay="0"/>
+                                  </p:stCondLst>
+                                  <p:childTnLst>
+                                    <p:set>
+                                      <p:cBhvr>
+                                        <p:cTn id="22" dur="1" fill="hold">
+                                          <p:stCondLst>
+                                            <p:cond delay="0"/>
+                                          </p:stCondLst>
+                                        </p:cTn>
+                                        <p:tgtEl>
+                                          <p:spTgt spid="9">
+                                            <p:txEl>
+                                              <p:pRg st="4" end="4"/>
+                                            </p:txEl>
+                                          </p:spTgt>
+                                        </p:tgtEl>
+                                        <p:attrNameLst>
+                                          <p:attrName>style.visibility</p:attrName>
+                                        </p:attrNameLst>
+                                      </p:cBhvr>
+                                      <p:to>
+                                        <p:strVal val="visible"/>
+                                      </p:to>
+                                    </p:set>
+                                  </p:childTnLst>
+                                </p:cTn>
+                              </p:par>
+                            </p:childTnLst>
+                          </p:cTn>
+                        </p:par>
+                      </p:childTnLst>
+                    </p:cTn>
+                  </p:par>
+                </p:childTnLst>
+              </p:cTn>
+              <p:prevCondLst>
+                <p:cond evt="onPrev" delay="0">
+                  <p:tgtEl>
+                    <p:sldTgt/>
+                  </p:tgtEl>
+                </p:cond>
+              </p:prevCondLst>
+              <p:nextCondLst>
+                <p:cond evt="onNext" delay="0">
+                  <p:tgtEl>
+                    <p:sldTgt/>
+                  </p:tgtEl>
+                </p:cond>
+              </p:nextCondLst>
+            </p:seq>
+          </p:childTnLst>
+        </p:cTn>
+      </p:par>
+    </p:tnLst>
+  </p:timing>
+</p:sld>
+</file>
+
+<file path=ppt/slides/slide11.xml><?xml version="1.0" encoding="utf-8"?>
+<p:sld xmlns:a="http://schemas.openxmlformats.org/drawingml/2006/main" xmlns:r="http://schemas.openxmlformats.org/officeDocument/2006/relationships" xmlns:p="http://schemas.openxmlformats.org/presentationml/2006/main">
+  <p:cSld>
+    <p:spTree>
+      <p:nvGrpSpPr>
+        <p:cNvPr id="1" name=""/>
+        <p:cNvGrpSpPr/>
+        <p:nvPr/>
+      </p:nvGrpSpPr>
+      <p:grpSpPr>
+        <a:xfrm>
+          <a:off x="0" y="0"/>
+          <a:ext cx="0" cy="0"/>
+          <a:chOff x="0" y="0"/>
+          <a:chExt cx="0" cy="0"/>
+        </a:xfrm>
+      </p:grpSpPr>
+      <p:pic>
+        <p:nvPicPr>
+          <p:cNvPr id="3" name="Imagem 2">
+            <a:extLst>
+              <a:ext uri="{FF2B5EF4-FFF2-40B4-BE49-F238E27FC236}">
+                <a16:creationId xmlns:a16="http://schemas.microsoft.com/office/drawing/2014/main" id="{68F55F1B-3512-421D-B471-0F9AFEB71283}"/>
+              </a:ext>
+            </a:extLst>
+          </p:cNvPr>
+          <p:cNvPicPr>
+            <a:picLocks noChangeAspect="1"/>
+          </p:cNvPicPr>
+          <p:nvPr/>
+        </p:nvPicPr>
+        <p:blipFill>
+          <a:blip r:embed="rId2"/>
+          <a:stretch>
+            <a:fillRect/>
+          </a:stretch>
+        </p:blipFill>
+        <p:spPr>
+          <a:xfrm>
+            <a:off x="0" y="0"/>
+            <a:ext cx="9495692" cy="5143500"/>
+          </a:xfrm>
+          <a:prstGeom prst="rect">
+            <a:avLst/>
+          </a:prstGeom>
+        </p:spPr>
+      </p:pic>
+    </p:spTree>
+    <p:extLst>
+      <p:ext uri="{BB962C8B-B14F-4D97-AF65-F5344CB8AC3E}">
+        <p14:creationId xmlns:p14="http://schemas.microsoft.com/office/powerpoint/2010/main" val="3693538637"/>
+      </p:ext>
+    </p:extLst>
+  </p:cSld>
+  <p:clrMapOvr>
+    <a:masterClrMapping/>
+  </p:clrMapOvr>
+</p:sld>
+</file>
+
+<file path=ppt/slides/slide12.xml><?xml version="1.0" encoding="utf-8"?>
+<p:sld xmlns:a="http://schemas.openxmlformats.org/drawingml/2006/main" xmlns:r="http://schemas.openxmlformats.org/officeDocument/2006/relationships" xmlns:p="http://schemas.openxmlformats.org/presentationml/2006/main">
+  <p:cSld>
+    <p:spTree>
+      <p:nvGrpSpPr>
+        <p:cNvPr id="1" name=""/>
+        <p:cNvGrpSpPr/>
+        <p:nvPr/>
+      </p:nvGrpSpPr>
+      <p:grpSpPr>
+        <a:xfrm>
+          <a:off x="0" y="0"/>
+          <a:ext cx="0" cy="0"/>
+          <a:chOff x="0" y="0"/>
+          <a:chExt cx="0" cy="0"/>
+        </a:xfrm>
+      </p:grpSpPr>
+      <p:pic>
+        <p:nvPicPr>
+          <p:cNvPr id="2" name="Imagem 1">
+            <a:extLst>
+              <a:ext uri="{FF2B5EF4-FFF2-40B4-BE49-F238E27FC236}">
+                <a16:creationId xmlns:a16="http://schemas.microsoft.com/office/drawing/2014/main" id="{62CF88FC-A1F0-4F17-8D7A-CB688AA54571}"/>
+              </a:ext>
+            </a:extLst>
+          </p:cNvPr>
+          <p:cNvPicPr>
+            <a:picLocks noChangeAspect="1"/>
+          </p:cNvPicPr>
+          <p:nvPr/>
+        </p:nvPicPr>
+        <p:blipFill>
+          <a:blip r:embed="rId2"/>
+          <a:stretch>
+            <a:fillRect/>
+          </a:stretch>
+        </p:blipFill>
+        <p:spPr>
+          <a:xfrm>
+            <a:off x="0" y="0"/>
+            <a:ext cx="9495692" cy="5143500"/>
+          </a:xfrm>
+          <a:prstGeom prst="rect">
+            <a:avLst/>
+          </a:prstGeom>
+        </p:spPr>
+      </p:pic>
+    </p:spTree>
+    <p:extLst>
+      <p:ext uri="{BB962C8B-B14F-4D97-AF65-F5344CB8AC3E}">
+        <p14:creationId xmlns:p14="http://schemas.microsoft.com/office/powerpoint/2010/main" val="3285852546"/>
+      </p:ext>
+    </p:extLst>
+  </p:cSld>
+  <p:clrMapOvr>
+    <a:masterClrMapping/>
+  </p:clrMapOvr>
+</p:sld>
+</file>
+
 <file path=ppt/slides/slide2.xml><?xml version="1.0" encoding="utf-8"?>
 <p:sld xmlns:a="http://schemas.openxmlformats.org/drawingml/2006/main" xmlns:r="http://schemas.openxmlformats.org/officeDocument/2006/relationships" xmlns:p="http://schemas.openxmlformats.org/presentationml/2006/main">
   <p:cSld>
@@ -5764,84 +6379,6 @@
   <p:clrMapOvr>
     <a:masterClrMapping/>
   </p:clrMapOvr>
-  <p:timing>
-    <p:tnLst>
-      <p:par>
-        <p:cTn id="1" dur="indefinite" restart="never" nodeType="tmRoot">
-          <p:childTnLst>
-            <p:seq concurrent="1" nextAc="seek">
-              <p:cTn id="2" dur="indefinite" nodeType="mainSeq">
-                <p:childTnLst>
-                  <p:par>
-                    <p:cTn id="3" fill="hold">
-                      <p:stCondLst>
-                        <p:cond delay="indefinite"/>
-                      </p:stCondLst>
-                      <p:childTnLst>
-                        <p:par>
-                          <p:cTn id="4" fill="hold">
-                            <p:stCondLst>
-                              <p:cond delay="0"/>
-                            </p:stCondLst>
-                            <p:childTnLst>
-                              <p:par>
-                                <p:cTn id="5" presetID="1" presetClass="entr" presetSubtype="0" fill="hold" grpId="0" nodeType="clickEffect">
-                                  <p:stCondLst>
-                                    <p:cond delay="0"/>
-                                  </p:stCondLst>
-                                  <p:childTnLst>
-                                    <p:set>
-                                      <p:cBhvr>
-                                        <p:cTn id="6" dur="1" fill="hold">
-                                          <p:stCondLst>
-                                            <p:cond delay="0"/>
-                                          </p:stCondLst>
-                                        </p:cTn>
-                                        <p:tgtEl>
-                                          <p:spTgt spid="22"/>
-                                        </p:tgtEl>
-                                        <p:attrNameLst>
-                                          <p:attrName>style.visibility</p:attrName>
-                                        </p:attrNameLst>
-                                      </p:cBhvr>
-                                      <p:to>
-                                        <p:strVal val="visible"/>
-                                      </p:to>
-                                    </p:set>
-                                  </p:childTnLst>
-                                </p:cTn>
-                              </p:par>
-                            </p:childTnLst>
-                          </p:cTn>
-                        </p:par>
-                      </p:childTnLst>
-                    </p:cTn>
-                  </p:par>
-                </p:childTnLst>
-              </p:cTn>
-              <p:prevCondLst>
-                <p:cond evt="onPrev" delay="0">
-                  <p:tgtEl>
-                    <p:sldTgt/>
-                  </p:tgtEl>
-                </p:cond>
-              </p:prevCondLst>
-              <p:nextCondLst>
-                <p:cond evt="onNext" delay="0">
-                  <p:tgtEl>
-                    <p:sldTgt/>
-                  </p:tgtEl>
-                </p:cond>
-              </p:nextCondLst>
-            </p:seq>
-          </p:childTnLst>
-        </p:cTn>
-      </p:par>
-    </p:tnLst>
-    <p:bldLst>
-      <p:bldP spid="22" grpId="0" animBg="1"/>
-    </p:bldLst>
-  </p:timing>
 </p:sld>
 </file>
 
@@ -6020,44 +6557,6 @@
           <a:chExt cx="0" cy="0"/>
         </a:xfrm>
       </p:grpSpPr>
-      <p:sp>
-        <p:nvSpPr>
-          <p:cNvPr id="2" name="Espaço Reservado para Número de Slide 1">
-            <a:extLst>
-              <a:ext uri="{FF2B5EF4-FFF2-40B4-BE49-F238E27FC236}">
-                <a16:creationId xmlns:a16="http://schemas.microsoft.com/office/drawing/2014/main" id="{3AA6EB0F-AF74-49FE-9AC7-E38C6057613E}"/>
-              </a:ext>
-            </a:extLst>
-          </p:cNvPr>
-          <p:cNvSpPr>
-            <a:spLocks noGrp="1"/>
-          </p:cNvSpPr>
-          <p:nvPr>
-            <p:ph type="sldNum" sz="quarter" idx="12"/>
-          </p:nvPr>
-        </p:nvSpPr>
-        <p:spPr/>
-        <p:txBody>
-          <a:bodyPr/>
-          <a:lstStyle/>
-          <a:p>
-            <a:pPr marL="0" lvl="0" indent="0" algn="l" rtl="0">
-              <a:spcBef>
-                <a:spcPts val="0"/>
-              </a:spcBef>
-              <a:spcAft>
-                <a:spcPts val="0"/>
-              </a:spcAft>
-              <a:buNone/>
-            </a:pPr>
-            <a:fld id="{00000000-1234-1234-1234-123412341234}" type="slidenum">
-              <a:rPr lang="en-US" smtClean="0"/>
-              <a:t>5</a:t>
-            </a:fld>
-            <a:endParaRPr lang="en-US"/>
-          </a:p>
-        </p:txBody>
-      </p:sp>
       <p:pic>
         <p:nvPicPr>
           <p:cNvPr id="5" name="Imagem 4">
@@ -6118,44 +6617,655 @@
           <a:chExt cx="0" cy="0"/>
         </a:xfrm>
       </p:grpSpPr>
-      <p:sp>
-        <p:nvSpPr>
-          <p:cNvPr id="2" name="Espaço Reservado para Número de Slide 1">
+      <p:grpSp>
+        <p:nvGrpSpPr>
+          <p:cNvPr id="16" name="Agrupar 15">
             <a:extLst>
               <a:ext uri="{FF2B5EF4-FFF2-40B4-BE49-F238E27FC236}">
-                <a16:creationId xmlns:a16="http://schemas.microsoft.com/office/drawing/2014/main" id="{3AA6EB0F-AF74-49FE-9AC7-E38C6057613E}"/>
+                <a16:creationId xmlns:a16="http://schemas.microsoft.com/office/drawing/2014/main" id="{71109F43-F3DD-4F63-A300-0514D0A68FA2}"/>
               </a:ext>
             </a:extLst>
           </p:cNvPr>
-          <p:cNvSpPr>
-            <a:spLocks noGrp="1"/>
-          </p:cNvSpPr>
-          <p:nvPr>
-            <p:ph type="sldNum" sz="quarter" idx="12"/>
-          </p:nvPr>
-        </p:nvSpPr>
-        <p:spPr/>
-        <p:txBody>
-          <a:bodyPr/>
-          <a:lstStyle/>
-          <a:p>
-            <a:pPr marL="0" lvl="0" indent="0" algn="l" rtl="0">
-              <a:spcBef>
-                <a:spcPts val="0"/>
-              </a:spcBef>
-              <a:spcAft>
-                <a:spcPts val="0"/>
-              </a:spcAft>
-              <a:buNone/>
-            </a:pPr>
-            <a:fld id="{00000000-1234-1234-1234-123412341234}" type="slidenum">
-              <a:rPr lang="en-US" smtClean="0"/>
-              <a:t>6</a:t>
-            </a:fld>
-            <a:endParaRPr lang="en-US"/>
-          </a:p>
-        </p:txBody>
-      </p:sp>
+          <p:cNvGrpSpPr/>
+          <p:nvPr/>
+        </p:nvGrpSpPr>
+        <p:grpSpPr>
+          <a:xfrm>
+            <a:off x="469635" y="1206500"/>
+            <a:ext cx="2492555" cy="2075942"/>
+            <a:chOff x="469635" y="1206500"/>
+            <a:chExt cx="2492555" cy="2075942"/>
+          </a:xfrm>
+        </p:grpSpPr>
+        <p:pic>
+          <p:nvPicPr>
+            <p:cNvPr id="4" name="Imagem 3">
+              <a:extLst>
+                <a:ext uri="{FF2B5EF4-FFF2-40B4-BE49-F238E27FC236}">
+                  <a16:creationId xmlns:a16="http://schemas.microsoft.com/office/drawing/2014/main" id="{69C770BE-89B9-4C20-A2FD-B1641AF583E5}"/>
+                </a:ext>
+              </a:extLst>
+            </p:cNvPr>
+            <p:cNvPicPr>
+              <a:picLocks noChangeAspect="1"/>
+            </p:cNvPicPr>
+            <p:nvPr/>
+          </p:nvPicPr>
+          <p:blipFill>
+            <a:blip r:embed="rId2"/>
+            <a:stretch>
+              <a:fillRect/>
+            </a:stretch>
+          </p:blipFill>
+          <p:spPr>
+            <a:xfrm>
+              <a:off x="469635" y="1206500"/>
+              <a:ext cx="2492555" cy="643909"/>
+            </a:xfrm>
+            <a:prstGeom prst="rect">
+              <a:avLst/>
+            </a:prstGeom>
+          </p:spPr>
+        </p:pic>
+        <p:sp>
+          <p:nvSpPr>
+            <p:cNvPr id="9" name="CaixaDeTexto 8">
+              <a:extLst>
+                <a:ext uri="{FF2B5EF4-FFF2-40B4-BE49-F238E27FC236}">
+                  <a16:creationId xmlns:a16="http://schemas.microsoft.com/office/drawing/2014/main" id="{150F7FD2-5256-4CCD-A0C0-63CAD9F9F80B}"/>
+                </a:ext>
+              </a:extLst>
+            </p:cNvPr>
+            <p:cNvSpPr txBox="1"/>
+            <p:nvPr/>
+          </p:nvSpPr>
+          <p:spPr>
+            <a:xfrm>
+              <a:off x="876300" y="2082113"/>
+              <a:ext cx="1739900" cy="1200329"/>
+            </a:xfrm>
+            <a:prstGeom prst="rect">
+              <a:avLst/>
+            </a:prstGeom>
+            <a:noFill/>
+          </p:spPr>
+          <p:txBody>
+            <a:bodyPr wrap="square" rtlCol="0">
+              <a:spAutoFit/>
+            </a:bodyPr>
+            <a:lstStyle/>
+            <a:p>
+              <a:r>
+                <a:rPr lang="pt-BR" dirty="0" err="1">
+                  <a:latin typeface="Roboto" panose="02000000000000000000" pitchFamily="2" charset="0"/>
+                  <a:ea typeface="Roboto" panose="02000000000000000000" pitchFamily="2" charset="0"/>
+                </a:rPr>
+                <a:t>apt-get</a:t>
+              </a:r>
+              <a:r>
+                <a:rPr lang="pt-BR" dirty="0">
+                  <a:latin typeface="Roboto" panose="02000000000000000000" pitchFamily="2" charset="0"/>
+                  <a:ea typeface="Roboto" panose="02000000000000000000" pitchFamily="2" charset="0"/>
+                </a:rPr>
+                <a:t> </a:t>
+              </a:r>
+              <a:r>
+                <a:rPr lang="pt-BR" dirty="0" err="1">
+                  <a:latin typeface="Roboto" panose="02000000000000000000" pitchFamily="2" charset="0"/>
+                  <a:ea typeface="Roboto" panose="02000000000000000000" pitchFamily="2" charset="0"/>
+                </a:rPr>
+                <a:t>install</a:t>
+              </a:r>
+              <a:r>
+                <a:rPr lang="pt-BR" dirty="0">
+                  <a:latin typeface="Roboto" panose="02000000000000000000" pitchFamily="2" charset="0"/>
+                  <a:ea typeface="Roboto" panose="02000000000000000000" pitchFamily="2" charset="0"/>
+                </a:rPr>
+                <a:t> </a:t>
+              </a:r>
+            </a:p>
+            <a:p>
+              <a:r>
+                <a:rPr lang="pt-BR" dirty="0" err="1">
+                  <a:latin typeface="Roboto" panose="02000000000000000000" pitchFamily="2" charset="0"/>
+                  <a:ea typeface="Roboto" panose="02000000000000000000" pitchFamily="2" charset="0"/>
+                </a:rPr>
+                <a:t>apt-get</a:t>
+              </a:r>
+              <a:r>
+                <a:rPr lang="pt-BR" dirty="0">
+                  <a:latin typeface="Roboto" panose="02000000000000000000" pitchFamily="2" charset="0"/>
+                  <a:ea typeface="Roboto" panose="02000000000000000000" pitchFamily="2" charset="0"/>
+                </a:rPr>
+                <a:t> remove</a:t>
+              </a:r>
+            </a:p>
+            <a:p>
+              <a:r>
+                <a:rPr lang="pt-BR" dirty="0" err="1">
+                  <a:latin typeface="Roboto" panose="02000000000000000000" pitchFamily="2" charset="0"/>
+                  <a:ea typeface="Roboto" panose="02000000000000000000" pitchFamily="2" charset="0"/>
+                </a:rPr>
+                <a:t>apt-get</a:t>
+              </a:r>
+              <a:r>
+                <a:rPr lang="pt-BR" dirty="0">
+                  <a:latin typeface="Roboto" panose="02000000000000000000" pitchFamily="2" charset="0"/>
+                  <a:ea typeface="Roboto" panose="02000000000000000000" pitchFamily="2" charset="0"/>
+                </a:rPr>
+                <a:t> update</a:t>
+              </a:r>
+            </a:p>
+            <a:p>
+              <a:r>
+                <a:rPr lang="pt-BR" dirty="0" err="1">
+                  <a:latin typeface="Roboto" panose="02000000000000000000" pitchFamily="2" charset="0"/>
+                  <a:ea typeface="Roboto" panose="02000000000000000000" pitchFamily="2" charset="0"/>
+                </a:rPr>
+                <a:t>apt-get</a:t>
+              </a:r>
+              <a:r>
+                <a:rPr lang="pt-BR" dirty="0">
+                  <a:latin typeface="Roboto" panose="02000000000000000000" pitchFamily="2" charset="0"/>
+                  <a:ea typeface="Roboto" panose="02000000000000000000" pitchFamily="2" charset="0"/>
+                </a:rPr>
+                <a:t> </a:t>
+              </a:r>
+              <a:r>
+                <a:rPr lang="pt-BR" dirty="0" err="1">
+                  <a:latin typeface="Roboto" panose="02000000000000000000" pitchFamily="2" charset="0"/>
+                  <a:ea typeface="Roboto" panose="02000000000000000000" pitchFamily="2" charset="0"/>
+                </a:rPr>
+                <a:t>search</a:t>
+              </a:r>
+              <a:endParaRPr lang="pt-BR" dirty="0">
+                <a:latin typeface="Roboto" panose="02000000000000000000" pitchFamily="2" charset="0"/>
+                <a:ea typeface="Roboto" panose="02000000000000000000" pitchFamily="2" charset="0"/>
+              </a:endParaRPr>
+            </a:p>
+          </p:txBody>
+        </p:sp>
+      </p:grpSp>
+      <p:grpSp>
+        <p:nvGrpSpPr>
+          <p:cNvPr id="17" name="Agrupar 16">
+            <a:extLst>
+              <a:ext uri="{FF2B5EF4-FFF2-40B4-BE49-F238E27FC236}">
+                <a16:creationId xmlns:a16="http://schemas.microsoft.com/office/drawing/2014/main" id="{AD039DF4-508E-47F7-B733-F47E23B858B1}"/>
+              </a:ext>
+            </a:extLst>
+          </p:cNvPr>
+          <p:cNvGrpSpPr/>
+          <p:nvPr/>
+        </p:nvGrpSpPr>
+        <p:grpSpPr>
+          <a:xfrm>
+            <a:off x="3693137" y="1319190"/>
+            <a:ext cx="2035969" cy="1969564"/>
+            <a:chOff x="3693137" y="1319190"/>
+            <a:chExt cx="2035969" cy="1969564"/>
+          </a:xfrm>
+        </p:grpSpPr>
+        <p:pic>
+          <p:nvPicPr>
+            <p:cNvPr id="6" name="Imagem 5">
+              <a:extLst>
+                <a:ext uri="{FF2B5EF4-FFF2-40B4-BE49-F238E27FC236}">
+                  <a16:creationId xmlns:a16="http://schemas.microsoft.com/office/drawing/2014/main" id="{71F73150-0CFE-4134-99C6-DBC5C3E7F0E4}"/>
+                </a:ext>
+              </a:extLst>
+            </p:cNvPr>
+            <p:cNvPicPr>
+              <a:picLocks noChangeAspect="1"/>
+            </p:cNvPicPr>
+            <p:nvPr/>
+          </p:nvPicPr>
+          <p:blipFill>
+            <a:blip r:embed="rId3"/>
+            <a:stretch>
+              <a:fillRect/>
+            </a:stretch>
+          </p:blipFill>
+          <p:spPr>
+            <a:xfrm>
+              <a:off x="3693137" y="1319190"/>
+              <a:ext cx="2035969" cy="483204"/>
+            </a:xfrm>
+            <a:prstGeom prst="rect">
+              <a:avLst/>
+            </a:prstGeom>
+          </p:spPr>
+        </p:pic>
+        <p:sp>
+          <p:nvSpPr>
+            <p:cNvPr id="11" name="CaixaDeTexto 10">
+              <a:extLst>
+                <a:ext uri="{FF2B5EF4-FFF2-40B4-BE49-F238E27FC236}">
+                  <a16:creationId xmlns:a16="http://schemas.microsoft.com/office/drawing/2014/main" id="{0D8D30DC-9791-4627-B560-52A5C88C1EFB}"/>
+                </a:ext>
+              </a:extLst>
+            </p:cNvPr>
+            <p:cNvSpPr txBox="1"/>
+            <p:nvPr/>
+          </p:nvSpPr>
+          <p:spPr>
+            <a:xfrm>
+              <a:off x="4016193" y="2088425"/>
+              <a:ext cx="1495607" cy="1200329"/>
+            </a:xfrm>
+            <a:prstGeom prst="rect">
+              <a:avLst/>
+            </a:prstGeom>
+            <a:noFill/>
+          </p:spPr>
+          <p:txBody>
+            <a:bodyPr wrap="square" rtlCol="0">
+              <a:spAutoFit/>
+            </a:bodyPr>
+            <a:lstStyle>
+              <a:defPPr>
+                <a:defRPr lang="en-US"/>
+              </a:defPPr>
+              <a:lvl1pPr>
+                <a:defRPr>
+                  <a:latin typeface="Roboto" panose="02000000000000000000" pitchFamily="2" charset="0"/>
+                  <a:ea typeface="Roboto" panose="02000000000000000000" pitchFamily="2" charset="0"/>
+                </a:defRPr>
+              </a:lvl1pPr>
+            </a:lstStyle>
+            <a:p>
+              <a:r>
+                <a:rPr lang="pt-BR" dirty="0" err="1"/>
+                <a:t>yum</a:t>
+              </a:r>
+              <a:r>
+                <a:rPr lang="pt-BR" dirty="0"/>
+                <a:t> </a:t>
+              </a:r>
+              <a:r>
+                <a:rPr lang="pt-BR" dirty="0" err="1"/>
+                <a:t>install</a:t>
+              </a:r>
+              <a:endParaRPr lang="pt-BR" dirty="0"/>
+            </a:p>
+            <a:p>
+              <a:r>
+                <a:rPr lang="pt-BR" dirty="0" err="1"/>
+                <a:t>yum</a:t>
+              </a:r>
+              <a:r>
+                <a:rPr lang="pt-BR" dirty="0"/>
+                <a:t> remove</a:t>
+              </a:r>
+            </a:p>
+            <a:p>
+              <a:r>
+                <a:rPr lang="pt-BR" dirty="0" err="1"/>
+                <a:t>yum</a:t>
+              </a:r>
+              <a:r>
+                <a:rPr lang="pt-BR" dirty="0"/>
+                <a:t> update</a:t>
+              </a:r>
+            </a:p>
+            <a:p>
+              <a:r>
+                <a:rPr lang="pt-BR" dirty="0" err="1"/>
+                <a:t>yum</a:t>
+              </a:r>
+              <a:r>
+                <a:rPr lang="pt-BR" dirty="0"/>
+                <a:t> </a:t>
+              </a:r>
+              <a:r>
+                <a:rPr lang="pt-BR" dirty="0" err="1"/>
+                <a:t>search</a:t>
+              </a:r>
+              <a:endParaRPr lang="pt-BR" dirty="0"/>
+            </a:p>
+          </p:txBody>
+        </p:sp>
+      </p:grpSp>
+      <p:grpSp>
+        <p:nvGrpSpPr>
+          <p:cNvPr id="18" name="Agrupar 17">
+            <a:extLst>
+              <a:ext uri="{FF2B5EF4-FFF2-40B4-BE49-F238E27FC236}">
+                <a16:creationId xmlns:a16="http://schemas.microsoft.com/office/drawing/2014/main" id="{370D7CE0-EEA6-423F-90BE-AE254CD80CBF}"/>
+              </a:ext>
+            </a:extLst>
+          </p:cNvPr>
+          <p:cNvGrpSpPr/>
+          <p:nvPr/>
+        </p:nvGrpSpPr>
+        <p:grpSpPr>
+          <a:xfrm>
+            <a:off x="6460053" y="1325503"/>
+            <a:ext cx="1930581" cy="1956939"/>
+            <a:chOff x="6460053" y="1325503"/>
+            <a:chExt cx="1930581" cy="1956939"/>
+          </a:xfrm>
+        </p:grpSpPr>
+        <p:pic>
+          <p:nvPicPr>
+            <p:cNvPr id="8" name="Imagem 7">
+              <a:extLst>
+                <a:ext uri="{FF2B5EF4-FFF2-40B4-BE49-F238E27FC236}">
+                  <a16:creationId xmlns:a16="http://schemas.microsoft.com/office/drawing/2014/main" id="{3697E652-2504-40CB-8939-0C719654676F}"/>
+                </a:ext>
+              </a:extLst>
+            </p:cNvPr>
+            <p:cNvPicPr>
+              <a:picLocks noChangeAspect="1"/>
+            </p:cNvPicPr>
+            <p:nvPr/>
+          </p:nvPicPr>
+          <p:blipFill>
+            <a:blip r:embed="rId4"/>
+            <a:stretch>
+              <a:fillRect/>
+            </a:stretch>
+          </p:blipFill>
+          <p:spPr>
+            <a:xfrm>
+              <a:off x="6460053" y="1325503"/>
+              <a:ext cx="1930581" cy="470579"/>
+            </a:xfrm>
+            <a:prstGeom prst="rect">
+              <a:avLst/>
+            </a:prstGeom>
+          </p:spPr>
+        </p:pic>
+        <p:sp>
+          <p:nvSpPr>
+            <p:cNvPr id="12" name="CaixaDeTexto 11">
+              <a:extLst>
+                <a:ext uri="{FF2B5EF4-FFF2-40B4-BE49-F238E27FC236}">
+                  <a16:creationId xmlns:a16="http://schemas.microsoft.com/office/drawing/2014/main" id="{7FB2E4C4-7ECA-4AE1-B2EA-E9985023B419}"/>
+                </a:ext>
+              </a:extLst>
+            </p:cNvPr>
+            <p:cNvSpPr txBox="1"/>
+            <p:nvPr/>
+          </p:nvSpPr>
+          <p:spPr>
+            <a:xfrm>
+              <a:off x="6845299" y="2082113"/>
+              <a:ext cx="1495607" cy="1200329"/>
+            </a:xfrm>
+            <a:prstGeom prst="rect">
+              <a:avLst/>
+            </a:prstGeom>
+            <a:noFill/>
+          </p:spPr>
+          <p:txBody>
+            <a:bodyPr wrap="square" rtlCol="0">
+              <a:spAutoFit/>
+            </a:bodyPr>
+            <a:lstStyle>
+              <a:defPPr>
+                <a:defRPr lang="en-US"/>
+              </a:defPPr>
+              <a:lvl1pPr>
+                <a:defRPr>
+                  <a:latin typeface="Roboto" panose="02000000000000000000" pitchFamily="2" charset="0"/>
+                  <a:ea typeface="Roboto" panose="02000000000000000000" pitchFamily="2" charset="0"/>
+                </a:defRPr>
+              </a:lvl1pPr>
+            </a:lstStyle>
+            <a:p>
+              <a:r>
+                <a:rPr lang="pt-BR" dirty="0" err="1"/>
+                <a:t>apk</a:t>
+              </a:r>
+              <a:r>
+                <a:rPr lang="pt-BR" dirty="0"/>
+                <a:t> </a:t>
+              </a:r>
+              <a:r>
+                <a:rPr lang="pt-BR" dirty="0" err="1"/>
+                <a:t>add</a:t>
+              </a:r>
+              <a:endParaRPr lang="pt-BR" dirty="0"/>
+            </a:p>
+            <a:p>
+              <a:r>
+                <a:rPr lang="pt-BR" dirty="0" err="1"/>
+                <a:t>apk</a:t>
+              </a:r>
+              <a:r>
+                <a:rPr lang="pt-BR" dirty="0"/>
+                <a:t> </a:t>
+              </a:r>
+              <a:r>
+                <a:rPr lang="pt-BR" dirty="0" err="1"/>
+                <a:t>del</a:t>
+              </a:r>
+              <a:endParaRPr lang="pt-BR" dirty="0"/>
+            </a:p>
+            <a:p>
+              <a:r>
+                <a:rPr lang="pt-BR" dirty="0" err="1"/>
+                <a:t>apk</a:t>
+              </a:r>
+              <a:r>
+                <a:rPr lang="pt-BR" dirty="0"/>
+                <a:t> upgrade</a:t>
+              </a:r>
+            </a:p>
+            <a:p>
+              <a:r>
+                <a:rPr lang="pt-BR" dirty="0" err="1"/>
+                <a:t>apk</a:t>
+              </a:r>
+              <a:r>
+                <a:rPr lang="pt-BR" dirty="0"/>
+                <a:t> </a:t>
+              </a:r>
+              <a:r>
+                <a:rPr lang="pt-BR" dirty="0" err="1"/>
+                <a:t>search</a:t>
+              </a:r>
+              <a:endParaRPr lang="pt-BR" dirty="0"/>
+            </a:p>
+          </p:txBody>
+        </p:sp>
+      </p:grpSp>
+    </p:spTree>
+    <p:extLst>
+      <p:ext uri="{BB962C8B-B14F-4D97-AF65-F5344CB8AC3E}">
+        <p14:creationId xmlns:p14="http://schemas.microsoft.com/office/powerpoint/2010/main" val="3921812445"/>
+      </p:ext>
+    </p:extLst>
+  </p:cSld>
+  <p:clrMapOvr>
+    <a:masterClrMapping/>
+  </p:clrMapOvr>
+  <p:timing>
+    <p:tnLst>
+      <p:par>
+        <p:cTn id="1" dur="indefinite" restart="never" nodeType="tmRoot">
+          <p:childTnLst>
+            <p:seq concurrent="1" nextAc="seek">
+              <p:cTn id="2" dur="indefinite" nodeType="mainSeq">
+                <p:childTnLst>
+                  <p:par>
+                    <p:cTn id="3" fill="hold">
+                      <p:stCondLst>
+                        <p:cond delay="indefinite"/>
+                      </p:stCondLst>
+                      <p:childTnLst>
+                        <p:par>
+                          <p:cTn id="4" fill="hold">
+                            <p:stCondLst>
+                              <p:cond delay="0"/>
+                            </p:stCondLst>
+                            <p:childTnLst>
+                              <p:par>
+                                <p:cTn id="5" presetID="1" presetClass="entr" presetSubtype="0" fill="hold" nodeType="clickEffect">
+                                  <p:stCondLst>
+                                    <p:cond delay="0"/>
+                                  </p:stCondLst>
+                                  <p:childTnLst>
+                                    <p:set>
+                                      <p:cBhvr>
+                                        <p:cTn id="6" dur="1" fill="hold">
+                                          <p:stCondLst>
+                                            <p:cond delay="0"/>
+                                          </p:stCondLst>
+                                        </p:cTn>
+                                        <p:tgtEl>
+                                          <p:spTgt spid="16"/>
+                                        </p:tgtEl>
+                                        <p:attrNameLst>
+                                          <p:attrName>style.visibility</p:attrName>
+                                        </p:attrNameLst>
+                                      </p:cBhvr>
+                                      <p:to>
+                                        <p:strVal val="visible"/>
+                                      </p:to>
+                                    </p:set>
+                                  </p:childTnLst>
+                                </p:cTn>
+                              </p:par>
+                            </p:childTnLst>
+                          </p:cTn>
+                        </p:par>
+                      </p:childTnLst>
+                    </p:cTn>
+                  </p:par>
+                  <p:par>
+                    <p:cTn id="7" fill="hold">
+                      <p:stCondLst>
+                        <p:cond delay="indefinite"/>
+                      </p:stCondLst>
+                      <p:childTnLst>
+                        <p:par>
+                          <p:cTn id="8" fill="hold">
+                            <p:stCondLst>
+                              <p:cond delay="0"/>
+                            </p:stCondLst>
+                            <p:childTnLst>
+                              <p:par>
+                                <p:cTn id="9" presetID="1" presetClass="entr" presetSubtype="0" fill="hold" nodeType="clickEffect">
+                                  <p:stCondLst>
+                                    <p:cond delay="0"/>
+                                  </p:stCondLst>
+                                  <p:childTnLst>
+                                    <p:set>
+                                      <p:cBhvr>
+                                        <p:cTn id="10" dur="1" fill="hold">
+                                          <p:stCondLst>
+                                            <p:cond delay="0"/>
+                                          </p:stCondLst>
+                                        </p:cTn>
+                                        <p:tgtEl>
+                                          <p:spTgt spid="17"/>
+                                        </p:tgtEl>
+                                        <p:attrNameLst>
+                                          <p:attrName>style.visibility</p:attrName>
+                                        </p:attrNameLst>
+                                      </p:cBhvr>
+                                      <p:to>
+                                        <p:strVal val="visible"/>
+                                      </p:to>
+                                    </p:set>
+                                  </p:childTnLst>
+                                </p:cTn>
+                              </p:par>
+                            </p:childTnLst>
+                          </p:cTn>
+                        </p:par>
+                      </p:childTnLst>
+                    </p:cTn>
+                  </p:par>
+                  <p:par>
+                    <p:cTn id="11" fill="hold">
+                      <p:stCondLst>
+                        <p:cond delay="indefinite"/>
+                      </p:stCondLst>
+                      <p:childTnLst>
+                        <p:par>
+                          <p:cTn id="12" fill="hold">
+                            <p:stCondLst>
+                              <p:cond delay="0"/>
+                            </p:stCondLst>
+                            <p:childTnLst>
+                              <p:par>
+                                <p:cTn id="13" presetID="1" presetClass="entr" presetSubtype="0" fill="hold" nodeType="clickEffect">
+                                  <p:stCondLst>
+                                    <p:cond delay="0"/>
+                                  </p:stCondLst>
+                                  <p:childTnLst>
+                                    <p:set>
+                                      <p:cBhvr>
+                                        <p:cTn id="14" dur="1" fill="hold">
+                                          <p:stCondLst>
+                                            <p:cond delay="0"/>
+                                          </p:stCondLst>
+                                        </p:cTn>
+                                        <p:tgtEl>
+                                          <p:spTgt spid="18"/>
+                                        </p:tgtEl>
+                                        <p:attrNameLst>
+                                          <p:attrName>style.visibility</p:attrName>
+                                        </p:attrNameLst>
+                                      </p:cBhvr>
+                                      <p:to>
+                                        <p:strVal val="visible"/>
+                                      </p:to>
+                                    </p:set>
+                                  </p:childTnLst>
+                                </p:cTn>
+                              </p:par>
+                            </p:childTnLst>
+                          </p:cTn>
+                        </p:par>
+                      </p:childTnLst>
+                    </p:cTn>
+                  </p:par>
+                </p:childTnLst>
+              </p:cTn>
+              <p:prevCondLst>
+                <p:cond evt="onPrev" delay="0">
+                  <p:tgtEl>
+                    <p:sldTgt/>
+                  </p:tgtEl>
+                </p:cond>
+              </p:prevCondLst>
+              <p:nextCondLst>
+                <p:cond evt="onNext" delay="0">
+                  <p:tgtEl>
+                    <p:sldTgt/>
+                  </p:tgtEl>
+                </p:cond>
+              </p:nextCondLst>
+            </p:seq>
+          </p:childTnLst>
+        </p:cTn>
+      </p:par>
+    </p:tnLst>
+  </p:timing>
+</p:sld>
+</file>
+
+<file path=ppt/slides/slide7.xml><?xml version="1.0" encoding="utf-8"?>
+<p:sld xmlns:a="http://schemas.openxmlformats.org/drawingml/2006/main" xmlns:r="http://schemas.openxmlformats.org/officeDocument/2006/relationships" xmlns:p="http://schemas.openxmlformats.org/presentationml/2006/main">
+  <p:cSld>
+    <p:spTree>
+      <p:nvGrpSpPr>
+        <p:cNvPr id="1" name=""/>
+        <p:cNvGrpSpPr/>
+        <p:nvPr/>
+      </p:nvGrpSpPr>
+      <p:grpSpPr>
+        <a:xfrm>
+          <a:off x="0" y="0"/>
+          <a:ext cx="0" cy="0"/>
+          <a:chOff x="0" y="0"/>
+          <a:chExt cx="0" cy="0"/>
+        </a:xfrm>
+      </p:grpSpPr>
       <p:pic>
         <p:nvPicPr>
           <p:cNvPr id="4" name="Imagem 3">
@@ -6178,7 +7288,7 @@
         </p:blipFill>
         <p:spPr>
           <a:xfrm>
-            <a:off x="3124200" y="900112"/>
+            <a:off x="1409700" y="900112"/>
             <a:ext cx="2895600" cy="3343275"/>
           </a:xfrm>
           <a:prstGeom prst="rect">
@@ -6186,6 +7296,230 @@
           </a:prstGeom>
         </p:spPr>
       </p:pic>
+      <p:sp>
+        <p:nvSpPr>
+          <p:cNvPr id="5" name="CaixaDeTexto 4">
+            <a:extLst>
+              <a:ext uri="{FF2B5EF4-FFF2-40B4-BE49-F238E27FC236}">
+                <a16:creationId xmlns:a16="http://schemas.microsoft.com/office/drawing/2014/main" id="{E0CA8C3C-76DA-4DA3-95F4-6D437CA19199}"/>
+              </a:ext>
+            </a:extLst>
+          </p:cNvPr>
+          <p:cNvSpPr txBox="1"/>
+          <p:nvPr/>
+        </p:nvSpPr>
+        <p:spPr>
+          <a:xfrm>
+            <a:off x="5879003" y="1556086"/>
+            <a:ext cx="2038350" cy="2031325"/>
+          </a:xfrm>
+          <a:prstGeom prst="rect">
+            <a:avLst/>
+          </a:prstGeom>
+          <a:noFill/>
+        </p:spPr>
+        <p:txBody>
+          <a:bodyPr wrap="square" rtlCol="0">
+            <a:spAutoFit/>
+          </a:bodyPr>
+          <a:lstStyle/>
+          <a:p>
+            <a:r>
+              <a:rPr lang="pt-BR" dirty="0" err="1">
+                <a:latin typeface="Roboto" panose="02000000000000000000" pitchFamily="2" charset="0"/>
+                <a:ea typeface="Roboto" panose="02000000000000000000" pitchFamily="2" charset="0"/>
+              </a:rPr>
+              <a:t>helm</a:t>
+            </a:r>
+            <a:r>
+              <a:rPr lang="pt-BR" dirty="0">
+                <a:latin typeface="Roboto" panose="02000000000000000000" pitchFamily="2" charset="0"/>
+                <a:ea typeface="Roboto" panose="02000000000000000000" pitchFamily="2" charset="0"/>
+              </a:rPr>
+              <a:t> </a:t>
+            </a:r>
+            <a:r>
+              <a:rPr lang="pt-BR" dirty="0" err="1">
+                <a:latin typeface="Roboto" panose="02000000000000000000" pitchFamily="2" charset="0"/>
+                <a:ea typeface="Roboto" panose="02000000000000000000" pitchFamily="2" charset="0"/>
+              </a:rPr>
+              <a:t>repo</a:t>
+            </a:r>
+            <a:r>
+              <a:rPr lang="pt-BR" dirty="0">
+                <a:latin typeface="Roboto" panose="02000000000000000000" pitchFamily="2" charset="0"/>
+                <a:ea typeface="Roboto" panose="02000000000000000000" pitchFamily="2" charset="0"/>
+              </a:rPr>
+              <a:t> </a:t>
+            </a:r>
+            <a:r>
+              <a:rPr lang="pt-BR" dirty="0" err="1">
+                <a:latin typeface="Roboto" panose="02000000000000000000" pitchFamily="2" charset="0"/>
+                <a:ea typeface="Roboto" panose="02000000000000000000" pitchFamily="2" charset="0"/>
+              </a:rPr>
+              <a:t>add</a:t>
+            </a:r>
+            <a:endParaRPr lang="pt-BR" dirty="0">
+              <a:latin typeface="Roboto" panose="02000000000000000000" pitchFamily="2" charset="0"/>
+              <a:ea typeface="Roboto" panose="02000000000000000000" pitchFamily="2" charset="0"/>
+            </a:endParaRPr>
+          </a:p>
+          <a:p>
+            <a:r>
+              <a:rPr lang="pt-BR" dirty="0" err="1">
+                <a:latin typeface="Roboto" panose="02000000000000000000" pitchFamily="2" charset="0"/>
+                <a:ea typeface="Roboto" panose="02000000000000000000" pitchFamily="2" charset="0"/>
+              </a:rPr>
+              <a:t>helm</a:t>
+            </a:r>
+            <a:r>
+              <a:rPr lang="pt-BR" dirty="0">
+                <a:latin typeface="Roboto" panose="02000000000000000000" pitchFamily="2" charset="0"/>
+                <a:ea typeface="Roboto" panose="02000000000000000000" pitchFamily="2" charset="0"/>
+              </a:rPr>
+              <a:t> </a:t>
+            </a:r>
+            <a:r>
+              <a:rPr lang="pt-BR" dirty="0" err="1">
+                <a:latin typeface="Roboto" panose="02000000000000000000" pitchFamily="2" charset="0"/>
+                <a:ea typeface="Roboto" panose="02000000000000000000" pitchFamily="2" charset="0"/>
+              </a:rPr>
+              <a:t>search</a:t>
+            </a:r>
+            <a:r>
+              <a:rPr lang="pt-BR" dirty="0">
+                <a:latin typeface="Roboto" panose="02000000000000000000" pitchFamily="2" charset="0"/>
+                <a:ea typeface="Roboto" panose="02000000000000000000" pitchFamily="2" charset="0"/>
+              </a:rPr>
+              <a:t> </a:t>
+            </a:r>
+            <a:r>
+              <a:rPr lang="pt-BR" dirty="0" err="1">
+                <a:latin typeface="Roboto" panose="02000000000000000000" pitchFamily="2" charset="0"/>
+                <a:ea typeface="Roboto" panose="02000000000000000000" pitchFamily="2" charset="0"/>
+              </a:rPr>
+              <a:t>repo</a:t>
+            </a:r>
+            <a:endParaRPr lang="pt-BR" dirty="0">
+              <a:latin typeface="Roboto" panose="02000000000000000000" pitchFamily="2" charset="0"/>
+              <a:ea typeface="Roboto" panose="02000000000000000000" pitchFamily="2" charset="0"/>
+            </a:endParaRPr>
+          </a:p>
+          <a:p>
+            <a:r>
+              <a:rPr lang="pt-BR" dirty="0" err="1">
+                <a:latin typeface="Roboto" panose="02000000000000000000" pitchFamily="2" charset="0"/>
+                <a:ea typeface="Roboto" panose="02000000000000000000" pitchFamily="2" charset="0"/>
+              </a:rPr>
+              <a:t>helm</a:t>
+            </a:r>
+            <a:r>
+              <a:rPr lang="pt-BR" dirty="0">
+                <a:latin typeface="Roboto" panose="02000000000000000000" pitchFamily="2" charset="0"/>
+                <a:ea typeface="Roboto" panose="02000000000000000000" pitchFamily="2" charset="0"/>
+              </a:rPr>
+              <a:t> </a:t>
+            </a:r>
+            <a:r>
+              <a:rPr lang="pt-BR" dirty="0" err="1">
+                <a:latin typeface="Roboto" panose="02000000000000000000" pitchFamily="2" charset="0"/>
+                <a:ea typeface="Roboto" panose="02000000000000000000" pitchFamily="2" charset="0"/>
+              </a:rPr>
+              <a:t>install</a:t>
+            </a:r>
+            <a:endParaRPr lang="pt-BR" dirty="0">
+              <a:latin typeface="Roboto" panose="02000000000000000000" pitchFamily="2" charset="0"/>
+              <a:ea typeface="Roboto" panose="02000000000000000000" pitchFamily="2" charset="0"/>
+            </a:endParaRPr>
+          </a:p>
+          <a:p>
+            <a:r>
+              <a:rPr lang="pt-BR" dirty="0" err="1">
+                <a:latin typeface="Roboto" panose="02000000000000000000" pitchFamily="2" charset="0"/>
+                <a:ea typeface="Roboto" panose="02000000000000000000" pitchFamily="2" charset="0"/>
+              </a:rPr>
+              <a:t>helm</a:t>
+            </a:r>
+            <a:r>
+              <a:rPr lang="pt-BR" dirty="0">
+                <a:latin typeface="Roboto" panose="02000000000000000000" pitchFamily="2" charset="0"/>
+                <a:ea typeface="Roboto" panose="02000000000000000000" pitchFamily="2" charset="0"/>
+              </a:rPr>
+              <a:t> upgrade</a:t>
+            </a:r>
+          </a:p>
+          <a:p>
+            <a:r>
+              <a:rPr lang="pt-BR" dirty="0" err="1">
+                <a:latin typeface="Roboto" panose="02000000000000000000" pitchFamily="2" charset="0"/>
+                <a:ea typeface="Roboto" panose="02000000000000000000" pitchFamily="2" charset="0"/>
+              </a:rPr>
+              <a:t>helm</a:t>
+            </a:r>
+            <a:r>
+              <a:rPr lang="pt-BR" dirty="0">
+                <a:latin typeface="Roboto" panose="02000000000000000000" pitchFamily="2" charset="0"/>
+                <a:ea typeface="Roboto" panose="02000000000000000000" pitchFamily="2" charset="0"/>
+              </a:rPr>
+              <a:t> </a:t>
+            </a:r>
+            <a:r>
+              <a:rPr lang="pt-BR" dirty="0" err="1">
+                <a:latin typeface="Roboto" panose="02000000000000000000" pitchFamily="2" charset="0"/>
+                <a:ea typeface="Roboto" panose="02000000000000000000" pitchFamily="2" charset="0"/>
+              </a:rPr>
+              <a:t>rollback</a:t>
+            </a:r>
+            <a:endParaRPr lang="pt-BR" dirty="0">
+              <a:latin typeface="Roboto" panose="02000000000000000000" pitchFamily="2" charset="0"/>
+              <a:ea typeface="Roboto" panose="02000000000000000000" pitchFamily="2" charset="0"/>
+            </a:endParaRPr>
+          </a:p>
+          <a:p>
+            <a:r>
+              <a:rPr lang="pt-BR" dirty="0" err="1">
+                <a:latin typeface="Roboto" panose="02000000000000000000" pitchFamily="2" charset="0"/>
+                <a:ea typeface="Roboto" panose="02000000000000000000" pitchFamily="2" charset="0"/>
+              </a:rPr>
+              <a:t>helm</a:t>
+            </a:r>
+            <a:r>
+              <a:rPr lang="pt-BR" dirty="0">
+                <a:latin typeface="Roboto" panose="02000000000000000000" pitchFamily="2" charset="0"/>
+                <a:ea typeface="Roboto" panose="02000000000000000000" pitchFamily="2" charset="0"/>
+              </a:rPr>
+              <a:t> </a:t>
+            </a:r>
+            <a:r>
+              <a:rPr lang="pt-BR" dirty="0" err="1">
+                <a:latin typeface="Roboto" panose="02000000000000000000" pitchFamily="2" charset="0"/>
+                <a:ea typeface="Roboto" panose="02000000000000000000" pitchFamily="2" charset="0"/>
+              </a:rPr>
+              <a:t>create</a:t>
+            </a:r>
+            <a:endParaRPr lang="pt-BR" dirty="0">
+              <a:latin typeface="Roboto" panose="02000000000000000000" pitchFamily="2" charset="0"/>
+              <a:ea typeface="Roboto" panose="02000000000000000000" pitchFamily="2" charset="0"/>
+            </a:endParaRPr>
+          </a:p>
+          <a:p>
+            <a:r>
+              <a:rPr lang="pt-BR" dirty="0" err="1">
+                <a:latin typeface="Roboto" panose="02000000000000000000" pitchFamily="2" charset="0"/>
+                <a:ea typeface="Roboto" panose="02000000000000000000" pitchFamily="2" charset="0"/>
+              </a:rPr>
+              <a:t>helm</a:t>
+            </a:r>
+            <a:r>
+              <a:rPr lang="pt-BR" dirty="0">
+                <a:latin typeface="Roboto" panose="02000000000000000000" pitchFamily="2" charset="0"/>
+                <a:ea typeface="Roboto" panose="02000000000000000000" pitchFamily="2" charset="0"/>
+              </a:rPr>
+              <a:t> status</a:t>
+            </a:r>
+          </a:p>
+        </p:txBody>
+      </p:sp>
     </p:spTree>
     <p:extLst>
       <p:ext uri="{BB962C8B-B14F-4D97-AF65-F5344CB8AC3E}">
@@ -6196,6 +7530,1148 @@
   <p:clrMapOvr>
     <a:masterClrMapping/>
   </p:clrMapOvr>
+  <p:timing>
+    <p:tnLst>
+      <p:par>
+        <p:cTn id="1" dur="indefinite" restart="never" nodeType="tmRoot">
+          <p:childTnLst>
+            <p:seq concurrent="1" nextAc="seek">
+              <p:cTn id="2" dur="indefinite" nodeType="mainSeq">
+                <p:childTnLst>
+                  <p:par>
+                    <p:cTn id="3" fill="hold">
+                      <p:stCondLst>
+                        <p:cond delay="indefinite"/>
+                      </p:stCondLst>
+                      <p:childTnLst>
+                        <p:par>
+                          <p:cTn id="4" fill="hold">
+                            <p:stCondLst>
+                              <p:cond delay="0"/>
+                            </p:stCondLst>
+                            <p:childTnLst>
+                              <p:par>
+                                <p:cTn id="5" presetID="1" presetClass="entr" presetSubtype="0" fill="hold" grpId="0" nodeType="clickEffect">
+                                  <p:stCondLst>
+                                    <p:cond delay="0"/>
+                                  </p:stCondLst>
+                                  <p:childTnLst>
+                                    <p:set>
+                                      <p:cBhvr>
+                                        <p:cTn id="6" dur="1" fill="hold">
+                                          <p:stCondLst>
+                                            <p:cond delay="0"/>
+                                          </p:stCondLst>
+                                        </p:cTn>
+                                        <p:tgtEl>
+                                          <p:spTgt spid="5"/>
+                                        </p:tgtEl>
+                                        <p:attrNameLst>
+                                          <p:attrName>style.visibility</p:attrName>
+                                        </p:attrNameLst>
+                                      </p:cBhvr>
+                                      <p:to>
+                                        <p:strVal val="visible"/>
+                                      </p:to>
+                                    </p:set>
+                                  </p:childTnLst>
+                                </p:cTn>
+                              </p:par>
+                            </p:childTnLst>
+                          </p:cTn>
+                        </p:par>
+                      </p:childTnLst>
+                    </p:cTn>
+                  </p:par>
+                </p:childTnLst>
+              </p:cTn>
+              <p:prevCondLst>
+                <p:cond evt="onPrev" delay="0">
+                  <p:tgtEl>
+                    <p:sldTgt/>
+                  </p:tgtEl>
+                </p:cond>
+              </p:prevCondLst>
+              <p:nextCondLst>
+                <p:cond evt="onNext" delay="0">
+                  <p:tgtEl>
+                    <p:sldTgt/>
+                  </p:tgtEl>
+                </p:cond>
+              </p:nextCondLst>
+            </p:seq>
+          </p:childTnLst>
+        </p:cTn>
+      </p:par>
+    </p:tnLst>
+    <p:bldLst>
+      <p:bldP spid="5" grpId="0"/>
+    </p:bldLst>
+  </p:timing>
+</p:sld>
+</file>
+
+<file path=ppt/slides/slide8.xml><?xml version="1.0" encoding="utf-8"?>
+<p:sld xmlns:a="http://schemas.openxmlformats.org/drawingml/2006/main" xmlns:r="http://schemas.openxmlformats.org/officeDocument/2006/relationships" xmlns:p="http://schemas.openxmlformats.org/presentationml/2006/main">
+  <p:cSld>
+    <p:spTree>
+      <p:nvGrpSpPr>
+        <p:cNvPr id="1" name=""/>
+        <p:cNvGrpSpPr/>
+        <p:nvPr/>
+      </p:nvGrpSpPr>
+      <p:grpSpPr>
+        <a:xfrm>
+          <a:off x="0" y="0"/>
+          <a:ext cx="0" cy="0"/>
+          <a:chOff x="0" y="0"/>
+          <a:chExt cx="0" cy="0"/>
+        </a:xfrm>
+      </p:grpSpPr>
+      <p:sp>
+        <p:nvSpPr>
+          <p:cNvPr id="3" name="Retângulo: Cantos Arredondados 2">
+            <a:extLst>
+              <a:ext uri="{FF2B5EF4-FFF2-40B4-BE49-F238E27FC236}">
+                <a16:creationId xmlns:a16="http://schemas.microsoft.com/office/drawing/2014/main" id="{92E64CF6-5F62-435E-A146-EDBAB7F1E912}"/>
+              </a:ext>
+            </a:extLst>
+          </p:cNvPr>
+          <p:cNvSpPr/>
+          <p:nvPr/>
+        </p:nvSpPr>
+        <p:spPr>
+          <a:xfrm>
+            <a:off x="2095500" y="3257550"/>
+            <a:ext cx="1066800" cy="393700"/>
+          </a:xfrm>
+          <a:prstGeom prst="roundRect">
+            <a:avLst/>
+          </a:prstGeom>
+        </p:spPr>
+        <p:style>
+          <a:lnRef idx="2">
+            <a:schemeClr val="accent1">
+              <a:shade val="50000"/>
+            </a:schemeClr>
+          </a:lnRef>
+          <a:fillRef idx="1">
+            <a:schemeClr val="accent1"/>
+          </a:fillRef>
+          <a:effectRef idx="0">
+            <a:schemeClr val="accent1"/>
+          </a:effectRef>
+          <a:fontRef idx="minor">
+            <a:schemeClr val="lt1"/>
+          </a:fontRef>
+        </p:style>
+        <p:txBody>
+          <a:bodyPr rtlCol="0" anchor="ctr"/>
+          <a:lstStyle/>
+          <a:p>
+            <a:pPr algn="ctr"/>
+            <a:r>
+              <a:rPr lang="en-US" dirty="0"/>
+              <a:t>Helm CLI</a:t>
+            </a:r>
+            <a:endParaRPr lang="pt-BR" dirty="0"/>
+          </a:p>
+        </p:txBody>
+      </p:sp>
+      <p:sp>
+        <p:nvSpPr>
+          <p:cNvPr id="4" name="Retângulo: Cantos Arredondados 3">
+            <a:extLst>
+              <a:ext uri="{FF2B5EF4-FFF2-40B4-BE49-F238E27FC236}">
+                <a16:creationId xmlns:a16="http://schemas.microsoft.com/office/drawing/2014/main" id="{014CBFC1-9105-4BB6-972D-C422A0E20065}"/>
+              </a:ext>
+            </a:extLst>
+          </p:cNvPr>
+          <p:cNvSpPr/>
+          <p:nvPr/>
+        </p:nvSpPr>
+        <p:spPr>
+          <a:xfrm>
+            <a:off x="1924050" y="1714500"/>
+            <a:ext cx="1409700" cy="393700"/>
+          </a:xfrm>
+          <a:prstGeom prst="roundRect">
+            <a:avLst/>
+          </a:prstGeom>
+        </p:spPr>
+        <p:style>
+          <a:lnRef idx="2">
+            <a:schemeClr val="accent2">
+              <a:shade val="50000"/>
+            </a:schemeClr>
+          </a:lnRef>
+          <a:fillRef idx="1">
+            <a:schemeClr val="accent2"/>
+          </a:fillRef>
+          <a:effectRef idx="0">
+            <a:schemeClr val="accent2"/>
+          </a:effectRef>
+          <a:fontRef idx="minor">
+            <a:schemeClr val="lt1"/>
+          </a:fontRef>
+        </p:style>
+        <p:txBody>
+          <a:bodyPr rtlCol="0" anchor="ctr"/>
+          <a:lstStyle/>
+          <a:p>
+            <a:pPr algn="ctr"/>
+            <a:r>
+              <a:rPr lang="en-US" dirty="0"/>
+              <a:t>Repositories</a:t>
+            </a:r>
+            <a:endParaRPr lang="pt-BR" dirty="0"/>
+          </a:p>
+        </p:txBody>
+      </p:sp>
+      <p:sp>
+        <p:nvSpPr>
+          <p:cNvPr id="5" name="Seta: para a Direita 4">
+            <a:extLst>
+              <a:ext uri="{FF2B5EF4-FFF2-40B4-BE49-F238E27FC236}">
+                <a16:creationId xmlns:a16="http://schemas.microsoft.com/office/drawing/2014/main" id="{050EB22E-AC68-4930-B999-ABD376BF987F}"/>
+              </a:ext>
+            </a:extLst>
+          </p:cNvPr>
+          <p:cNvSpPr/>
+          <p:nvPr/>
+        </p:nvSpPr>
+        <p:spPr>
+          <a:xfrm rot="16200000">
+            <a:off x="2133600" y="2622550"/>
+            <a:ext cx="990600" cy="120650"/>
+          </a:xfrm>
+          <a:prstGeom prst="rightArrow">
+            <a:avLst/>
+          </a:prstGeom>
+        </p:spPr>
+        <p:style>
+          <a:lnRef idx="2">
+            <a:schemeClr val="accent5">
+              <a:shade val="50000"/>
+            </a:schemeClr>
+          </a:lnRef>
+          <a:fillRef idx="1">
+            <a:schemeClr val="accent5"/>
+          </a:fillRef>
+          <a:effectRef idx="0">
+            <a:schemeClr val="accent5"/>
+          </a:effectRef>
+          <a:fontRef idx="minor">
+            <a:schemeClr val="lt1"/>
+          </a:fontRef>
+        </p:style>
+        <p:txBody>
+          <a:bodyPr rtlCol="0" anchor="ctr"/>
+          <a:lstStyle/>
+          <a:p>
+            <a:pPr algn="ctr"/>
+            <a:endParaRPr lang="pt-BR"/>
+          </a:p>
+        </p:txBody>
+      </p:sp>
+      <p:sp>
+        <p:nvSpPr>
+          <p:cNvPr id="6" name="Seta: para a Direita 5">
+            <a:extLst>
+              <a:ext uri="{FF2B5EF4-FFF2-40B4-BE49-F238E27FC236}">
+                <a16:creationId xmlns:a16="http://schemas.microsoft.com/office/drawing/2014/main" id="{5D89F1F5-D920-4C93-9AD2-E6EA9AB20F5D}"/>
+              </a:ext>
+            </a:extLst>
+          </p:cNvPr>
+          <p:cNvSpPr/>
+          <p:nvPr/>
+        </p:nvSpPr>
+        <p:spPr>
+          <a:xfrm>
+            <a:off x="3333750" y="3394075"/>
+            <a:ext cx="1695450" cy="123825"/>
+          </a:xfrm>
+          <a:prstGeom prst="rightArrow">
+            <a:avLst/>
+          </a:prstGeom>
+        </p:spPr>
+        <p:style>
+          <a:lnRef idx="2">
+            <a:schemeClr val="accent5">
+              <a:shade val="50000"/>
+            </a:schemeClr>
+          </a:lnRef>
+          <a:fillRef idx="1">
+            <a:schemeClr val="accent5"/>
+          </a:fillRef>
+          <a:effectRef idx="0">
+            <a:schemeClr val="accent5"/>
+          </a:effectRef>
+          <a:fontRef idx="minor">
+            <a:schemeClr val="lt1"/>
+          </a:fontRef>
+        </p:style>
+        <p:txBody>
+          <a:bodyPr rtlCol="0" anchor="ctr"/>
+          <a:lstStyle/>
+          <a:p>
+            <a:pPr algn="ctr"/>
+            <a:endParaRPr lang="pt-BR"/>
+          </a:p>
+        </p:txBody>
+      </p:sp>
+      <p:sp>
+        <p:nvSpPr>
+          <p:cNvPr id="7" name="Retângulo: Cantos Arredondados 6">
+            <a:extLst>
+              <a:ext uri="{FF2B5EF4-FFF2-40B4-BE49-F238E27FC236}">
+                <a16:creationId xmlns:a16="http://schemas.microsoft.com/office/drawing/2014/main" id="{BF495B57-C9C6-4A0A-BB7D-AFFE7DECB25C}"/>
+              </a:ext>
+            </a:extLst>
+          </p:cNvPr>
+          <p:cNvSpPr/>
+          <p:nvPr/>
+        </p:nvSpPr>
+        <p:spPr>
+          <a:xfrm>
+            <a:off x="5200650" y="2108200"/>
+            <a:ext cx="2152651" cy="1845375"/>
+          </a:xfrm>
+          <a:prstGeom prst="roundRect">
+            <a:avLst/>
+          </a:prstGeom>
+        </p:spPr>
+        <p:style>
+          <a:lnRef idx="2">
+            <a:schemeClr val="accent3">
+              <a:shade val="50000"/>
+            </a:schemeClr>
+          </a:lnRef>
+          <a:fillRef idx="1">
+            <a:schemeClr val="accent3"/>
+          </a:fillRef>
+          <a:effectRef idx="0">
+            <a:schemeClr val="accent3"/>
+          </a:effectRef>
+          <a:fontRef idx="minor">
+            <a:schemeClr val="lt1"/>
+          </a:fontRef>
+        </p:style>
+        <p:txBody>
+          <a:bodyPr rtlCol="0" anchor="ctr"/>
+          <a:lstStyle/>
+          <a:p>
+            <a:pPr algn="ctr"/>
+            <a:endParaRPr lang="pt-BR" dirty="0"/>
+          </a:p>
+        </p:txBody>
+      </p:sp>
+      <p:pic>
+        <p:nvPicPr>
+          <p:cNvPr id="11" name="Imagem 10">
+            <a:extLst>
+              <a:ext uri="{FF2B5EF4-FFF2-40B4-BE49-F238E27FC236}">
+                <a16:creationId xmlns:a16="http://schemas.microsoft.com/office/drawing/2014/main" id="{F0CB7F6A-263D-4175-A85D-8BFD4C656DBE}"/>
+              </a:ext>
+            </a:extLst>
+          </p:cNvPr>
+          <p:cNvPicPr>
+            <a:picLocks noChangeAspect="1"/>
+          </p:cNvPicPr>
+          <p:nvPr/>
+        </p:nvPicPr>
+        <p:blipFill>
+          <a:blip r:embed="rId2"/>
+          <a:stretch>
+            <a:fillRect/>
+          </a:stretch>
+        </p:blipFill>
+        <p:spPr>
+          <a:xfrm>
+            <a:off x="6604737" y="2225675"/>
+            <a:ext cx="627914" cy="609600"/>
+          </a:xfrm>
+          <a:prstGeom prst="rect">
+            <a:avLst/>
+          </a:prstGeom>
+        </p:spPr>
+      </p:pic>
+      <p:sp>
+        <p:nvSpPr>
+          <p:cNvPr id="12" name="Retângulo 11">
+            <a:extLst>
+              <a:ext uri="{FF2B5EF4-FFF2-40B4-BE49-F238E27FC236}">
+                <a16:creationId xmlns:a16="http://schemas.microsoft.com/office/drawing/2014/main" id="{3F42295A-2BBE-44E0-B1D5-EF7F246ACE7B}"/>
+              </a:ext>
+            </a:extLst>
+          </p:cNvPr>
+          <p:cNvSpPr/>
+          <p:nvPr/>
+        </p:nvSpPr>
+        <p:spPr>
+          <a:xfrm>
+            <a:off x="5200650" y="3302000"/>
+            <a:ext cx="1035050" cy="349250"/>
+          </a:xfrm>
+          <a:prstGeom prst="rect">
+            <a:avLst/>
+          </a:prstGeom>
+        </p:spPr>
+        <p:style>
+          <a:lnRef idx="2">
+            <a:schemeClr val="accent6">
+              <a:shade val="50000"/>
+            </a:schemeClr>
+          </a:lnRef>
+          <a:fillRef idx="1">
+            <a:schemeClr val="accent6"/>
+          </a:fillRef>
+          <a:effectRef idx="0">
+            <a:schemeClr val="accent6"/>
+          </a:effectRef>
+          <a:fontRef idx="minor">
+            <a:schemeClr val="lt1"/>
+          </a:fontRef>
+        </p:style>
+        <p:txBody>
+          <a:bodyPr rtlCol="0" anchor="ctr"/>
+          <a:lstStyle/>
+          <a:p>
+            <a:pPr algn="ctr"/>
+            <a:r>
+              <a:rPr lang="en-US" dirty="0"/>
+              <a:t>Tiller</a:t>
+            </a:r>
+            <a:endParaRPr lang="pt-BR" dirty="0"/>
+          </a:p>
+        </p:txBody>
+      </p:sp>
+      <p:sp>
+        <p:nvSpPr>
+          <p:cNvPr id="13" name="CaixaDeTexto 12">
+            <a:extLst>
+              <a:ext uri="{FF2B5EF4-FFF2-40B4-BE49-F238E27FC236}">
+                <a16:creationId xmlns:a16="http://schemas.microsoft.com/office/drawing/2014/main" id="{FE454C5A-1C94-4347-B852-B5D85ED27A0D}"/>
+              </a:ext>
+            </a:extLst>
+          </p:cNvPr>
+          <p:cNvSpPr txBox="1"/>
+          <p:nvPr/>
+        </p:nvSpPr>
+        <p:spPr>
+          <a:xfrm>
+            <a:off x="0" y="105442"/>
+            <a:ext cx="9144000" cy="923330"/>
+          </a:xfrm>
+          <a:prstGeom prst="rect">
+            <a:avLst/>
+          </a:prstGeom>
+          <a:noFill/>
+        </p:spPr>
+        <p:txBody>
+          <a:bodyPr wrap="square" rtlCol="0">
+            <a:spAutoFit/>
+          </a:bodyPr>
+          <a:lstStyle/>
+          <a:p>
+            <a:pPr algn="ctr"/>
+            <a:r>
+              <a:rPr lang="en-US" sz="5400" dirty="0"/>
+              <a:t>Helm v2</a:t>
+            </a:r>
+            <a:endParaRPr lang="pt-BR" sz="5400" dirty="0"/>
+          </a:p>
+        </p:txBody>
+      </p:sp>
+    </p:spTree>
+    <p:extLst>
+      <p:ext uri="{BB962C8B-B14F-4D97-AF65-F5344CB8AC3E}">
+        <p14:creationId xmlns:p14="http://schemas.microsoft.com/office/powerpoint/2010/main" val="2029309281"/>
+      </p:ext>
+    </p:extLst>
+  </p:cSld>
+  <p:clrMapOvr>
+    <a:masterClrMapping/>
+  </p:clrMapOvr>
+  <p:timing>
+    <p:tnLst>
+      <p:par>
+        <p:cTn id="1" dur="indefinite" restart="never" nodeType="tmRoot">
+          <p:childTnLst>
+            <p:seq concurrent="1" nextAc="seek">
+              <p:cTn id="2" dur="indefinite" nodeType="mainSeq">
+                <p:childTnLst>
+                  <p:par>
+                    <p:cTn id="3" fill="hold">
+                      <p:stCondLst>
+                        <p:cond delay="indefinite"/>
+                      </p:stCondLst>
+                      <p:childTnLst>
+                        <p:par>
+                          <p:cTn id="4" fill="hold">
+                            <p:stCondLst>
+                              <p:cond delay="0"/>
+                            </p:stCondLst>
+                            <p:childTnLst>
+                              <p:par>
+                                <p:cTn id="5" presetID="1" presetClass="entr" presetSubtype="0" fill="hold" grpId="0" nodeType="clickEffect">
+                                  <p:stCondLst>
+                                    <p:cond delay="0"/>
+                                  </p:stCondLst>
+                                  <p:childTnLst>
+                                    <p:set>
+                                      <p:cBhvr>
+                                        <p:cTn id="6" dur="1" fill="hold">
+                                          <p:stCondLst>
+                                            <p:cond delay="0"/>
+                                          </p:stCondLst>
+                                        </p:cTn>
+                                        <p:tgtEl>
+                                          <p:spTgt spid="4"/>
+                                        </p:tgtEl>
+                                        <p:attrNameLst>
+                                          <p:attrName>style.visibility</p:attrName>
+                                        </p:attrNameLst>
+                                      </p:cBhvr>
+                                      <p:to>
+                                        <p:strVal val="visible"/>
+                                      </p:to>
+                                    </p:set>
+                                  </p:childTnLst>
+                                </p:cTn>
+                              </p:par>
+                            </p:childTnLst>
+                          </p:cTn>
+                        </p:par>
+                      </p:childTnLst>
+                    </p:cTn>
+                  </p:par>
+                  <p:par>
+                    <p:cTn id="7" fill="hold">
+                      <p:stCondLst>
+                        <p:cond delay="indefinite"/>
+                      </p:stCondLst>
+                      <p:childTnLst>
+                        <p:par>
+                          <p:cTn id="8" fill="hold">
+                            <p:stCondLst>
+                              <p:cond delay="0"/>
+                            </p:stCondLst>
+                            <p:childTnLst>
+                              <p:par>
+                                <p:cTn id="9" presetID="1" presetClass="entr" presetSubtype="0" fill="hold" grpId="0" nodeType="clickEffect">
+                                  <p:stCondLst>
+                                    <p:cond delay="0"/>
+                                  </p:stCondLst>
+                                  <p:childTnLst>
+                                    <p:set>
+                                      <p:cBhvr>
+                                        <p:cTn id="10" dur="1" fill="hold">
+                                          <p:stCondLst>
+                                            <p:cond delay="0"/>
+                                          </p:stCondLst>
+                                        </p:cTn>
+                                        <p:tgtEl>
+                                          <p:spTgt spid="5"/>
+                                        </p:tgtEl>
+                                        <p:attrNameLst>
+                                          <p:attrName>style.visibility</p:attrName>
+                                        </p:attrNameLst>
+                                      </p:cBhvr>
+                                      <p:to>
+                                        <p:strVal val="visible"/>
+                                      </p:to>
+                                    </p:set>
+                                  </p:childTnLst>
+                                </p:cTn>
+                              </p:par>
+                            </p:childTnLst>
+                          </p:cTn>
+                        </p:par>
+                      </p:childTnLst>
+                    </p:cTn>
+                  </p:par>
+                  <p:par>
+                    <p:cTn id="11" fill="hold">
+                      <p:stCondLst>
+                        <p:cond delay="indefinite"/>
+                      </p:stCondLst>
+                      <p:childTnLst>
+                        <p:par>
+                          <p:cTn id="12" fill="hold">
+                            <p:stCondLst>
+                              <p:cond delay="0"/>
+                            </p:stCondLst>
+                            <p:childTnLst>
+                              <p:par>
+                                <p:cTn id="13" presetID="1" presetClass="entr" presetSubtype="0" fill="hold" grpId="0" nodeType="clickEffect">
+                                  <p:stCondLst>
+                                    <p:cond delay="0"/>
+                                  </p:stCondLst>
+                                  <p:childTnLst>
+                                    <p:set>
+                                      <p:cBhvr>
+                                        <p:cTn id="14" dur="1" fill="hold">
+                                          <p:stCondLst>
+                                            <p:cond delay="0"/>
+                                          </p:stCondLst>
+                                        </p:cTn>
+                                        <p:tgtEl>
+                                          <p:spTgt spid="12"/>
+                                        </p:tgtEl>
+                                        <p:attrNameLst>
+                                          <p:attrName>style.visibility</p:attrName>
+                                        </p:attrNameLst>
+                                      </p:cBhvr>
+                                      <p:to>
+                                        <p:strVal val="visible"/>
+                                      </p:to>
+                                    </p:set>
+                                  </p:childTnLst>
+                                </p:cTn>
+                              </p:par>
+                            </p:childTnLst>
+                          </p:cTn>
+                        </p:par>
+                      </p:childTnLst>
+                    </p:cTn>
+                  </p:par>
+                  <p:par>
+                    <p:cTn id="15" fill="hold">
+                      <p:stCondLst>
+                        <p:cond delay="indefinite"/>
+                      </p:stCondLst>
+                      <p:childTnLst>
+                        <p:par>
+                          <p:cTn id="16" fill="hold">
+                            <p:stCondLst>
+                              <p:cond delay="0"/>
+                            </p:stCondLst>
+                            <p:childTnLst>
+                              <p:par>
+                                <p:cTn id="17" presetID="1" presetClass="entr" presetSubtype="0" fill="hold" grpId="0" nodeType="clickEffect">
+                                  <p:stCondLst>
+                                    <p:cond delay="0"/>
+                                  </p:stCondLst>
+                                  <p:childTnLst>
+                                    <p:set>
+                                      <p:cBhvr>
+                                        <p:cTn id="18" dur="1" fill="hold">
+                                          <p:stCondLst>
+                                            <p:cond delay="0"/>
+                                          </p:stCondLst>
+                                        </p:cTn>
+                                        <p:tgtEl>
+                                          <p:spTgt spid="6"/>
+                                        </p:tgtEl>
+                                        <p:attrNameLst>
+                                          <p:attrName>style.visibility</p:attrName>
+                                        </p:attrNameLst>
+                                      </p:cBhvr>
+                                      <p:to>
+                                        <p:strVal val="visible"/>
+                                      </p:to>
+                                    </p:set>
+                                  </p:childTnLst>
+                                </p:cTn>
+                              </p:par>
+                            </p:childTnLst>
+                          </p:cTn>
+                        </p:par>
+                      </p:childTnLst>
+                    </p:cTn>
+                  </p:par>
+                </p:childTnLst>
+              </p:cTn>
+              <p:prevCondLst>
+                <p:cond evt="onPrev" delay="0">
+                  <p:tgtEl>
+                    <p:sldTgt/>
+                  </p:tgtEl>
+                </p:cond>
+              </p:prevCondLst>
+              <p:nextCondLst>
+                <p:cond evt="onNext" delay="0">
+                  <p:tgtEl>
+                    <p:sldTgt/>
+                  </p:tgtEl>
+                </p:cond>
+              </p:nextCondLst>
+            </p:seq>
+          </p:childTnLst>
+        </p:cTn>
+      </p:par>
+    </p:tnLst>
+    <p:bldLst>
+      <p:bldP spid="4" grpId="0" animBg="1"/>
+      <p:bldP spid="5" grpId="0" animBg="1"/>
+      <p:bldP spid="6" grpId="0" animBg="1"/>
+      <p:bldP spid="12" grpId="0" animBg="1"/>
+    </p:bldLst>
+  </p:timing>
+</p:sld>
+</file>
+
+<file path=ppt/slides/slide9.xml><?xml version="1.0" encoding="utf-8"?>
+<p:sld xmlns:a="http://schemas.openxmlformats.org/drawingml/2006/main" xmlns:r="http://schemas.openxmlformats.org/officeDocument/2006/relationships" xmlns:p="http://schemas.openxmlformats.org/presentationml/2006/main">
+  <p:cSld>
+    <p:spTree>
+      <p:nvGrpSpPr>
+        <p:cNvPr id="1" name=""/>
+        <p:cNvGrpSpPr/>
+        <p:nvPr/>
+      </p:nvGrpSpPr>
+      <p:grpSpPr>
+        <a:xfrm>
+          <a:off x="0" y="0"/>
+          <a:ext cx="0" cy="0"/>
+          <a:chOff x="0" y="0"/>
+          <a:chExt cx="0" cy="0"/>
+        </a:xfrm>
+      </p:grpSpPr>
+      <p:sp>
+        <p:nvSpPr>
+          <p:cNvPr id="3" name="Retângulo: Cantos Arredondados 2">
+            <a:extLst>
+              <a:ext uri="{FF2B5EF4-FFF2-40B4-BE49-F238E27FC236}">
+                <a16:creationId xmlns:a16="http://schemas.microsoft.com/office/drawing/2014/main" id="{92E64CF6-5F62-435E-A146-EDBAB7F1E912}"/>
+              </a:ext>
+            </a:extLst>
+          </p:cNvPr>
+          <p:cNvSpPr/>
+          <p:nvPr/>
+        </p:nvSpPr>
+        <p:spPr>
+          <a:xfrm>
+            <a:off x="2095500" y="3257550"/>
+            <a:ext cx="1066800" cy="393700"/>
+          </a:xfrm>
+          <a:prstGeom prst="roundRect">
+            <a:avLst/>
+          </a:prstGeom>
+        </p:spPr>
+        <p:style>
+          <a:lnRef idx="2">
+            <a:schemeClr val="accent1">
+              <a:shade val="50000"/>
+            </a:schemeClr>
+          </a:lnRef>
+          <a:fillRef idx="1">
+            <a:schemeClr val="accent1"/>
+          </a:fillRef>
+          <a:effectRef idx="0">
+            <a:schemeClr val="accent1"/>
+          </a:effectRef>
+          <a:fontRef idx="minor">
+            <a:schemeClr val="lt1"/>
+          </a:fontRef>
+        </p:style>
+        <p:txBody>
+          <a:bodyPr rtlCol="0" anchor="ctr"/>
+          <a:lstStyle/>
+          <a:p>
+            <a:pPr algn="ctr"/>
+            <a:r>
+              <a:rPr lang="en-US" dirty="0"/>
+              <a:t>Helm CLI</a:t>
+            </a:r>
+            <a:endParaRPr lang="pt-BR" dirty="0"/>
+          </a:p>
+        </p:txBody>
+      </p:sp>
+      <p:sp>
+        <p:nvSpPr>
+          <p:cNvPr id="4" name="Retângulo: Cantos Arredondados 3">
+            <a:extLst>
+              <a:ext uri="{FF2B5EF4-FFF2-40B4-BE49-F238E27FC236}">
+                <a16:creationId xmlns:a16="http://schemas.microsoft.com/office/drawing/2014/main" id="{014CBFC1-9105-4BB6-972D-C422A0E20065}"/>
+              </a:ext>
+            </a:extLst>
+          </p:cNvPr>
+          <p:cNvSpPr/>
+          <p:nvPr/>
+        </p:nvSpPr>
+        <p:spPr>
+          <a:xfrm>
+            <a:off x="1924050" y="1714500"/>
+            <a:ext cx="1409700" cy="393700"/>
+          </a:xfrm>
+          <a:prstGeom prst="roundRect">
+            <a:avLst/>
+          </a:prstGeom>
+        </p:spPr>
+        <p:style>
+          <a:lnRef idx="2">
+            <a:schemeClr val="accent2">
+              <a:shade val="50000"/>
+            </a:schemeClr>
+          </a:lnRef>
+          <a:fillRef idx="1">
+            <a:schemeClr val="accent2"/>
+          </a:fillRef>
+          <a:effectRef idx="0">
+            <a:schemeClr val="accent2"/>
+          </a:effectRef>
+          <a:fontRef idx="minor">
+            <a:schemeClr val="lt1"/>
+          </a:fontRef>
+        </p:style>
+        <p:txBody>
+          <a:bodyPr rtlCol="0" anchor="ctr"/>
+          <a:lstStyle/>
+          <a:p>
+            <a:pPr algn="ctr"/>
+            <a:r>
+              <a:rPr lang="en-US" dirty="0"/>
+              <a:t>Repositories</a:t>
+            </a:r>
+            <a:endParaRPr lang="pt-BR" dirty="0"/>
+          </a:p>
+        </p:txBody>
+      </p:sp>
+      <p:sp>
+        <p:nvSpPr>
+          <p:cNvPr id="5" name="Seta: para a Direita 4">
+            <a:extLst>
+              <a:ext uri="{FF2B5EF4-FFF2-40B4-BE49-F238E27FC236}">
+                <a16:creationId xmlns:a16="http://schemas.microsoft.com/office/drawing/2014/main" id="{050EB22E-AC68-4930-B999-ABD376BF987F}"/>
+              </a:ext>
+            </a:extLst>
+          </p:cNvPr>
+          <p:cNvSpPr/>
+          <p:nvPr/>
+        </p:nvSpPr>
+        <p:spPr>
+          <a:xfrm rot="16200000">
+            <a:off x="2133600" y="2622550"/>
+            <a:ext cx="990600" cy="120650"/>
+          </a:xfrm>
+          <a:prstGeom prst="rightArrow">
+            <a:avLst/>
+          </a:prstGeom>
+        </p:spPr>
+        <p:style>
+          <a:lnRef idx="2">
+            <a:schemeClr val="accent5">
+              <a:shade val="50000"/>
+            </a:schemeClr>
+          </a:lnRef>
+          <a:fillRef idx="1">
+            <a:schemeClr val="accent5"/>
+          </a:fillRef>
+          <a:effectRef idx="0">
+            <a:schemeClr val="accent5"/>
+          </a:effectRef>
+          <a:fontRef idx="minor">
+            <a:schemeClr val="lt1"/>
+          </a:fontRef>
+        </p:style>
+        <p:txBody>
+          <a:bodyPr rtlCol="0" anchor="ctr"/>
+          <a:lstStyle/>
+          <a:p>
+            <a:pPr algn="ctr"/>
+            <a:endParaRPr lang="pt-BR"/>
+          </a:p>
+        </p:txBody>
+      </p:sp>
+      <p:sp>
+        <p:nvSpPr>
+          <p:cNvPr id="6" name="Seta: para a Direita 5">
+            <a:extLst>
+              <a:ext uri="{FF2B5EF4-FFF2-40B4-BE49-F238E27FC236}">
+                <a16:creationId xmlns:a16="http://schemas.microsoft.com/office/drawing/2014/main" id="{5D89F1F5-D920-4C93-9AD2-E6EA9AB20F5D}"/>
+              </a:ext>
+            </a:extLst>
+          </p:cNvPr>
+          <p:cNvSpPr/>
+          <p:nvPr/>
+        </p:nvSpPr>
+        <p:spPr>
+          <a:xfrm>
+            <a:off x="3333750" y="3394075"/>
+            <a:ext cx="1695450" cy="123825"/>
+          </a:xfrm>
+          <a:prstGeom prst="rightArrow">
+            <a:avLst/>
+          </a:prstGeom>
+        </p:spPr>
+        <p:style>
+          <a:lnRef idx="2">
+            <a:schemeClr val="accent5">
+              <a:shade val="50000"/>
+            </a:schemeClr>
+          </a:lnRef>
+          <a:fillRef idx="1">
+            <a:schemeClr val="accent5"/>
+          </a:fillRef>
+          <a:effectRef idx="0">
+            <a:schemeClr val="accent5"/>
+          </a:effectRef>
+          <a:fontRef idx="minor">
+            <a:schemeClr val="lt1"/>
+          </a:fontRef>
+        </p:style>
+        <p:txBody>
+          <a:bodyPr rtlCol="0" anchor="ctr"/>
+          <a:lstStyle/>
+          <a:p>
+            <a:pPr algn="ctr"/>
+            <a:endParaRPr lang="pt-BR"/>
+          </a:p>
+        </p:txBody>
+      </p:sp>
+      <p:sp>
+        <p:nvSpPr>
+          <p:cNvPr id="7" name="Retângulo: Cantos Arredondados 6">
+            <a:extLst>
+              <a:ext uri="{FF2B5EF4-FFF2-40B4-BE49-F238E27FC236}">
+                <a16:creationId xmlns:a16="http://schemas.microsoft.com/office/drawing/2014/main" id="{BF495B57-C9C6-4A0A-BB7D-AFFE7DECB25C}"/>
+              </a:ext>
+            </a:extLst>
+          </p:cNvPr>
+          <p:cNvSpPr/>
+          <p:nvPr/>
+        </p:nvSpPr>
+        <p:spPr>
+          <a:xfrm>
+            <a:off x="5200650" y="2108200"/>
+            <a:ext cx="2152651" cy="1845375"/>
+          </a:xfrm>
+          <a:prstGeom prst="roundRect">
+            <a:avLst/>
+          </a:prstGeom>
+        </p:spPr>
+        <p:style>
+          <a:lnRef idx="2">
+            <a:schemeClr val="accent3">
+              <a:shade val="50000"/>
+            </a:schemeClr>
+          </a:lnRef>
+          <a:fillRef idx="1">
+            <a:schemeClr val="accent3"/>
+          </a:fillRef>
+          <a:effectRef idx="0">
+            <a:schemeClr val="accent3"/>
+          </a:effectRef>
+          <a:fontRef idx="minor">
+            <a:schemeClr val="lt1"/>
+          </a:fontRef>
+        </p:style>
+        <p:txBody>
+          <a:bodyPr rtlCol="0" anchor="ctr"/>
+          <a:lstStyle/>
+          <a:p>
+            <a:pPr algn="ctr"/>
+            <a:endParaRPr lang="pt-BR" dirty="0"/>
+          </a:p>
+        </p:txBody>
+      </p:sp>
+      <p:pic>
+        <p:nvPicPr>
+          <p:cNvPr id="11" name="Imagem 10">
+            <a:extLst>
+              <a:ext uri="{FF2B5EF4-FFF2-40B4-BE49-F238E27FC236}">
+                <a16:creationId xmlns:a16="http://schemas.microsoft.com/office/drawing/2014/main" id="{F0CB7F6A-263D-4175-A85D-8BFD4C656DBE}"/>
+              </a:ext>
+            </a:extLst>
+          </p:cNvPr>
+          <p:cNvPicPr>
+            <a:picLocks noChangeAspect="1"/>
+          </p:cNvPicPr>
+          <p:nvPr/>
+        </p:nvPicPr>
+        <p:blipFill>
+          <a:blip r:embed="rId2"/>
+          <a:stretch>
+            <a:fillRect/>
+          </a:stretch>
+        </p:blipFill>
+        <p:spPr>
+          <a:xfrm>
+            <a:off x="6604737" y="2225675"/>
+            <a:ext cx="627914" cy="609600"/>
+          </a:xfrm>
+          <a:prstGeom prst="rect">
+            <a:avLst/>
+          </a:prstGeom>
+        </p:spPr>
+      </p:pic>
+      <p:sp>
+        <p:nvSpPr>
+          <p:cNvPr id="12" name="Retângulo 11">
+            <a:extLst>
+              <a:ext uri="{FF2B5EF4-FFF2-40B4-BE49-F238E27FC236}">
+                <a16:creationId xmlns:a16="http://schemas.microsoft.com/office/drawing/2014/main" id="{3F42295A-2BBE-44E0-B1D5-EF7F246ACE7B}"/>
+              </a:ext>
+            </a:extLst>
+          </p:cNvPr>
+          <p:cNvSpPr/>
+          <p:nvPr/>
+        </p:nvSpPr>
+        <p:spPr>
+          <a:xfrm>
+            <a:off x="5200650" y="3302000"/>
+            <a:ext cx="1035050" cy="349250"/>
+          </a:xfrm>
+          <a:prstGeom prst="rect">
+            <a:avLst/>
+          </a:prstGeom>
+        </p:spPr>
+        <p:style>
+          <a:lnRef idx="2">
+            <a:schemeClr val="accent6">
+              <a:shade val="50000"/>
+            </a:schemeClr>
+          </a:lnRef>
+          <a:fillRef idx="1">
+            <a:schemeClr val="accent6"/>
+          </a:fillRef>
+          <a:effectRef idx="0">
+            <a:schemeClr val="accent6"/>
+          </a:effectRef>
+          <a:fontRef idx="minor">
+            <a:schemeClr val="lt1"/>
+          </a:fontRef>
+        </p:style>
+        <p:txBody>
+          <a:bodyPr rtlCol="0" anchor="ctr"/>
+          <a:lstStyle/>
+          <a:p>
+            <a:pPr algn="ctr"/>
+            <a:r>
+              <a:rPr lang="en-US" dirty="0" err="1"/>
+              <a:t>Kube-Api</a:t>
+            </a:r>
+            <a:endParaRPr lang="pt-BR" dirty="0"/>
+          </a:p>
+        </p:txBody>
+      </p:sp>
+      <p:sp>
+        <p:nvSpPr>
+          <p:cNvPr id="13" name="CaixaDeTexto 12">
+            <a:extLst>
+              <a:ext uri="{FF2B5EF4-FFF2-40B4-BE49-F238E27FC236}">
+                <a16:creationId xmlns:a16="http://schemas.microsoft.com/office/drawing/2014/main" id="{FE454C5A-1C94-4347-B852-B5D85ED27A0D}"/>
+              </a:ext>
+            </a:extLst>
+          </p:cNvPr>
+          <p:cNvSpPr txBox="1"/>
+          <p:nvPr/>
+        </p:nvSpPr>
+        <p:spPr>
+          <a:xfrm>
+            <a:off x="0" y="105442"/>
+            <a:ext cx="9144000" cy="923330"/>
+          </a:xfrm>
+          <a:prstGeom prst="rect">
+            <a:avLst/>
+          </a:prstGeom>
+          <a:noFill/>
+        </p:spPr>
+        <p:txBody>
+          <a:bodyPr wrap="square" rtlCol="0">
+            <a:spAutoFit/>
+          </a:bodyPr>
+          <a:lstStyle/>
+          <a:p>
+            <a:pPr algn="ctr"/>
+            <a:r>
+              <a:rPr lang="en-US" sz="5400" dirty="0"/>
+              <a:t>Helm v3</a:t>
+            </a:r>
+            <a:endParaRPr lang="pt-BR" sz="5400" dirty="0"/>
+          </a:p>
+        </p:txBody>
+      </p:sp>
+    </p:spTree>
+    <p:extLst>
+      <p:ext uri="{BB962C8B-B14F-4D97-AF65-F5344CB8AC3E}">
+        <p14:creationId xmlns:p14="http://schemas.microsoft.com/office/powerpoint/2010/main" val="2223793272"/>
+      </p:ext>
+    </p:extLst>
+  </p:cSld>
+  <p:clrMapOvr>
+    <a:masterClrMapping/>
+  </p:clrMapOvr>
+  <p:timing>
+    <p:tnLst>
+      <p:par>
+        <p:cTn id="1" dur="indefinite" restart="never" nodeType="tmRoot">
+          <p:childTnLst>
+            <p:seq concurrent="1" nextAc="seek">
+              <p:cTn id="2" dur="indefinite" nodeType="mainSeq">
+                <p:childTnLst>
+                  <p:par>
+                    <p:cTn id="3" fill="hold">
+                      <p:stCondLst>
+                        <p:cond delay="indefinite"/>
+                      </p:stCondLst>
+                      <p:childTnLst>
+                        <p:par>
+                          <p:cTn id="4" fill="hold">
+                            <p:stCondLst>
+                              <p:cond delay="0"/>
+                            </p:stCondLst>
+                            <p:childTnLst>
+                              <p:par>
+                                <p:cTn id="5" presetID="1" presetClass="entr" presetSubtype="0" fill="hold" grpId="0" nodeType="clickEffect">
+                                  <p:stCondLst>
+                                    <p:cond delay="0"/>
+                                  </p:stCondLst>
+                                  <p:childTnLst>
+                                    <p:set>
+                                      <p:cBhvr>
+                                        <p:cTn id="6" dur="1" fill="hold">
+                                          <p:stCondLst>
+                                            <p:cond delay="0"/>
+                                          </p:stCondLst>
+                                        </p:cTn>
+                                        <p:tgtEl>
+                                          <p:spTgt spid="12"/>
+                                        </p:tgtEl>
+                                        <p:attrNameLst>
+                                          <p:attrName>style.visibility</p:attrName>
+                                        </p:attrNameLst>
+                                      </p:cBhvr>
+                                      <p:to>
+                                        <p:strVal val="visible"/>
+                                      </p:to>
+                                    </p:set>
+                                  </p:childTnLst>
+                                </p:cTn>
+                              </p:par>
+                            </p:childTnLst>
+                          </p:cTn>
+                        </p:par>
+                      </p:childTnLst>
+                    </p:cTn>
+                  </p:par>
+                </p:childTnLst>
+              </p:cTn>
+              <p:prevCondLst>
+                <p:cond evt="onPrev" delay="0">
+                  <p:tgtEl>
+                    <p:sldTgt/>
+                  </p:tgtEl>
+                </p:cond>
+              </p:prevCondLst>
+              <p:nextCondLst>
+                <p:cond evt="onNext" delay="0">
+                  <p:tgtEl>
+                    <p:sldTgt/>
+                  </p:tgtEl>
+                </p:cond>
+              </p:nextCondLst>
+            </p:seq>
+          </p:childTnLst>
+        </p:cTn>
+      </p:par>
+    </p:tnLst>
+    <p:bldLst>
+      <p:bldP spid="12" grpId="0" animBg="1"/>
+    </p:bldLst>
+  </p:timing>
 </p:sld>
 </file>
 
@@ -6764,6 +9240,15 @@
 </file>
 
 <file path=customXml/item1.xml><?xml version="1.0" encoding="utf-8"?>
+<?mso-contentType ?>
+<FormTemplates xmlns="http://schemas.microsoft.com/sharepoint/v3/contenttype/forms">
+  <Display>DocumentLibraryForm</Display>
+  <Edit>DocumentLibraryForm</Edit>
+  <New>DocumentLibraryForm</New>
+</FormTemplates>
+</file>
+
+<file path=customXml/item2.xml><?xml version="1.0" encoding="utf-8"?>
 <ct:contentTypeSchema xmlns:ct="http://schemas.microsoft.com/office/2006/metadata/contentType" xmlns:ma="http://schemas.microsoft.com/office/2006/metadata/properties/metaAttributes" ct:_="" ma:_="" ma:contentTypeName="Document" ma:contentTypeID="0x0101005DD0E268B0E6A84AA39A9A0FD83CAAAC" ma:contentTypeVersion="5" ma:contentTypeDescription="Create a new document." ma:contentTypeScope="" ma:versionID="c2fa2cf8d6608c2156ccb93b7a244479">
   <xsd:schema xmlns:xsd="http://www.w3.org/2001/XMLSchema" xmlns:xs="http://www.w3.org/2001/XMLSchema" xmlns:p="http://schemas.microsoft.com/office/2006/metadata/properties" xmlns:ns3="2b7f6d1b-c3ec-4dc9-a441-ff419f9ef8ab" xmlns:ns4="15f24908-3768-4fca-bafb-ff45dc73fa1c" targetNamespace="http://schemas.microsoft.com/office/2006/metadata/properties" ma:root="true" ma:fieldsID="4e09f051e7058ddaec603e11801c5c9a" ns3:_="" ns4:_="">
     <xsd:import namespace="2b7f6d1b-c3ec-4dc9-a441-ff419f9ef8ab"/>
@@ -6934,22 +9419,21 @@
 </ct:contentTypeSchema>
 </file>
 
-<file path=customXml/item2.xml><?xml version="1.0" encoding="utf-8"?>
+<file path=customXml/item3.xml><?xml version="1.0" encoding="utf-8"?>
 <p:properties xmlns:p="http://schemas.microsoft.com/office/2006/metadata/properties" xmlns:xsi="http://www.w3.org/2001/XMLSchema-instance" xmlns:pc="http://schemas.microsoft.com/office/infopath/2007/PartnerControls">
   <documentManagement/>
 </p:properties>
 </file>
 
-<file path=customXml/item3.xml><?xml version="1.0" encoding="utf-8"?>
-<?mso-contentType ?>
-<FormTemplates xmlns="http://schemas.microsoft.com/sharepoint/v3/contenttype/forms">
-  <Display>DocumentLibraryForm</Display>
-  <Edit>DocumentLibraryForm</Edit>
-  <New>DocumentLibraryForm</New>
-</FormTemplates>
+<file path=customXml/itemProps1.xml><?xml version="1.0" encoding="utf-8"?>
+<ds:datastoreItem xmlns:ds="http://schemas.openxmlformats.org/officeDocument/2006/customXml" ds:itemID="{E4ABFD8A-7213-4790-A6C2-CA04332DB078}">
+  <ds:schemaRefs>
+    <ds:schemaRef ds:uri="http://schemas.microsoft.com/sharepoint/v3/contenttype/forms"/>
+  </ds:schemaRefs>
+</ds:datastoreItem>
 </file>
 
-<file path=customXml/itemProps1.xml><?xml version="1.0" encoding="utf-8"?>
+<file path=customXml/itemProps2.xml><?xml version="1.0" encoding="utf-8"?>
 <ds:datastoreItem xmlns:ds="http://schemas.openxmlformats.org/officeDocument/2006/customXml" ds:itemID="{1761EAB6-BD3D-4608-B200-1C5A57736D63}">
   <ds:schemaRefs>
     <ds:schemaRef ds:uri="http://schemas.microsoft.com/office/2006/metadata/contentType"/>
@@ -6968,19 +9452,11 @@
 </ds:datastoreItem>
 </file>
 
-<file path=customXml/itemProps2.xml><?xml version="1.0" encoding="utf-8"?>
+<file path=customXml/itemProps3.xml><?xml version="1.0" encoding="utf-8"?>
 <ds:datastoreItem xmlns:ds="http://schemas.openxmlformats.org/officeDocument/2006/customXml" ds:itemID="{0A5AC112-DAFF-4A82-B750-54412BDB9CB4}">
   <ds:schemaRefs>
     <ds:schemaRef ds:uri="http://schemas.microsoft.com/office/2006/metadata/properties"/>
     <ds:schemaRef ds:uri="http://schemas.microsoft.com/office/infopath/2007/PartnerControls"/>
   </ds:schemaRefs>
 </ds:datastoreItem>
-</file>
-
-<file path=customXml/itemProps3.xml><?xml version="1.0" encoding="utf-8"?>
-<ds:datastoreItem xmlns:ds="http://schemas.openxmlformats.org/officeDocument/2006/customXml" ds:itemID="{E4ABFD8A-7213-4790-A6C2-CA04332DB078}">
-  <ds:schemaRefs>
-    <ds:schemaRef ds:uri="http://schemas.microsoft.com/sharepoint/v3/contenttype/forms"/>
-  </ds:schemaRefs>
-</ds:datastoreItem>
 </file>